--- a/PresentationSlides/CaseStudy1_Presentation_ARajan.pptx
+++ b/PresentationSlides/CaseStudy1_Presentation_ARajan.pptx
@@ -2,20 +2,21 @@
 <file path=ppt/presentation.xml><?xml version="1.0" encoding="utf-8"?>
 <p:presentation xmlns:a="http://schemas.openxmlformats.org/drawingml/2006/main" xmlns:r="http://schemas.openxmlformats.org/officeDocument/2006/relationships" xmlns:p="http://schemas.openxmlformats.org/presentationml/2006/main" saveSubsetFonts="1">
   <p:sldMasterIdLst>
-    <p:sldMasterId id="2147483648" r:id="rId1"/>
+    <p:sldMasterId id="2147483660" r:id="rId1"/>
   </p:sldMasterIdLst>
   <p:sldIdLst>
     <p:sldId id="274" r:id="rId2"/>
     <p:sldId id="259" r:id="rId3"/>
     <p:sldId id="261" r:id="rId4"/>
     <p:sldId id="268" r:id="rId5"/>
-    <p:sldId id="271" r:id="rId6"/>
-    <p:sldId id="263" r:id="rId7"/>
-    <p:sldId id="262" r:id="rId8"/>
-    <p:sldId id="272" r:id="rId9"/>
-    <p:sldId id="273" r:id="rId10"/>
-    <p:sldId id="275" r:id="rId11"/>
-    <p:sldId id="270" r:id="rId12"/>
+    <p:sldId id="276" r:id="rId6"/>
+    <p:sldId id="271" r:id="rId7"/>
+    <p:sldId id="263" r:id="rId8"/>
+    <p:sldId id="262" r:id="rId9"/>
+    <p:sldId id="272" r:id="rId10"/>
+    <p:sldId id="273" r:id="rId11"/>
+    <p:sldId id="275" r:id="rId12"/>
+    <p:sldId id="270" r:id="rId13"/>
   </p:sldIdLst>
   <p:sldSz cx="12192000" cy="6858000"/>
   <p:notesSz cx="6858000" cy="9144000"/>
@@ -23,7 +24,7 @@
     <a:defPPr>
       <a:defRPr lang="en-US"/>
     </a:defPPr>
-    <a:lvl1pPr marL="0" algn="l" defTabSz="914400" rtl="0" eaLnBrk="1" latinLnBrk="0" hangingPunct="1">
+    <a:lvl1pPr marL="0" algn="l" defTabSz="457200" rtl="0" eaLnBrk="1" latinLnBrk="0" hangingPunct="1">
       <a:defRPr sz="1800" kern="1200">
         <a:solidFill>
           <a:schemeClr val="tx1"/>
@@ -33,7 +34,7 @@
         <a:cs typeface="+mn-cs"/>
       </a:defRPr>
     </a:lvl1pPr>
-    <a:lvl2pPr marL="457200" algn="l" defTabSz="914400" rtl="0" eaLnBrk="1" latinLnBrk="0" hangingPunct="1">
+    <a:lvl2pPr marL="457200" algn="l" defTabSz="457200" rtl="0" eaLnBrk="1" latinLnBrk="0" hangingPunct="1">
       <a:defRPr sz="1800" kern="1200">
         <a:solidFill>
           <a:schemeClr val="tx1"/>
@@ -43,7 +44,7 @@
         <a:cs typeface="+mn-cs"/>
       </a:defRPr>
     </a:lvl2pPr>
-    <a:lvl3pPr marL="914400" algn="l" defTabSz="914400" rtl="0" eaLnBrk="1" latinLnBrk="0" hangingPunct="1">
+    <a:lvl3pPr marL="914400" algn="l" defTabSz="457200" rtl="0" eaLnBrk="1" latinLnBrk="0" hangingPunct="1">
       <a:defRPr sz="1800" kern="1200">
         <a:solidFill>
           <a:schemeClr val="tx1"/>
@@ -53,7 +54,7 @@
         <a:cs typeface="+mn-cs"/>
       </a:defRPr>
     </a:lvl3pPr>
-    <a:lvl4pPr marL="1371600" algn="l" defTabSz="914400" rtl="0" eaLnBrk="1" latinLnBrk="0" hangingPunct="1">
+    <a:lvl4pPr marL="1371600" algn="l" defTabSz="457200" rtl="0" eaLnBrk="1" latinLnBrk="0" hangingPunct="1">
       <a:defRPr sz="1800" kern="1200">
         <a:solidFill>
           <a:schemeClr val="tx1"/>
@@ -63,7 +64,7 @@
         <a:cs typeface="+mn-cs"/>
       </a:defRPr>
     </a:lvl4pPr>
-    <a:lvl5pPr marL="1828800" algn="l" defTabSz="914400" rtl="0" eaLnBrk="1" latinLnBrk="0" hangingPunct="1">
+    <a:lvl5pPr marL="1828800" algn="l" defTabSz="457200" rtl="0" eaLnBrk="1" latinLnBrk="0" hangingPunct="1">
       <a:defRPr sz="1800" kern="1200">
         <a:solidFill>
           <a:schemeClr val="tx1"/>
@@ -73,7 +74,7 @@
         <a:cs typeface="+mn-cs"/>
       </a:defRPr>
     </a:lvl5pPr>
-    <a:lvl6pPr marL="2286000" algn="l" defTabSz="914400" rtl="0" eaLnBrk="1" latinLnBrk="0" hangingPunct="1">
+    <a:lvl6pPr marL="2286000" algn="l" defTabSz="457200" rtl="0" eaLnBrk="1" latinLnBrk="0" hangingPunct="1">
       <a:defRPr sz="1800" kern="1200">
         <a:solidFill>
           <a:schemeClr val="tx1"/>
@@ -83,7 +84,7 @@
         <a:cs typeface="+mn-cs"/>
       </a:defRPr>
     </a:lvl6pPr>
-    <a:lvl7pPr marL="2743200" algn="l" defTabSz="914400" rtl="0" eaLnBrk="1" latinLnBrk="0" hangingPunct="1">
+    <a:lvl7pPr marL="2743200" algn="l" defTabSz="457200" rtl="0" eaLnBrk="1" latinLnBrk="0" hangingPunct="1">
       <a:defRPr sz="1800" kern="1200">
         <a:solidFill>
           <a:schemeClr val="tx1"/>
@@ -93,7 +94,7 @@
         <a:cs typeface="+mn-cs"/>
       </a:defRPr>
     </a:lvl7pPr>
-    <a:lvl8pPr marL="3200400" algn="l" defTabSz="914400" rtl="0" eaLnBrk="1" latinLnBrk="0" hangingPunct="1">
+    <a:lvl8pPr marL="3200400" algn="l" defTabSz="457200" rtl="0" eaLnBrk="1" latinLnBrk="0" hangingPunct="1">
       <a:defRPr sz="1800" kern="1200">
         <a:solidFill>
           <a:schemeClr val="tx1"/>
@@ -103,7 +104,7 @@
         <a:cs typeface="+mn-cs"/>
       </a:defRPr>
     </a:lvl8pPr>
-    <a:lvl9pPr marL="3657600" algn="l" defTabSz="914400" rtl="0" eaLnBrk="1" latinLnBrk="0" hangingPunct="1">
+    <a:lvl9pPr marL="3657600" algn="l" defTabSz="457200" rtl="0" eaLnBrk="1" latinLnBrk="0" hangingPunct="1">
       <a:defRPr sz="1800" kern="1200">
         <a:solidFill>
           <a:schemeClr val="tx1"/>
@@ -3026,6 +3027,7 @@
               <a:rPr lang="en-US"/>
               <a:t>Click to edit Master title style</a:t>
             </a:r>
+            <a:endParaRPr lang="en-US" dirty="0"/>
           </a:p>
         </p:txBody>
       </p:sp>
@@ -3090,6 +3092,7 @@
               <a:rPr lang="en-US"/>
               <a:t>Click to edit Master subtitle style</a:t>
             </a:r>
+            <a:endParaRPr lang="en-US" dirty="0"/>
           </a:p>
         </p:txBody>
       </p:sp>
@@ -3110,7 +3113,7 @@
           <a:p>
             <a:fld id="{F51D979C-FCAE-4E4A-AEC8-48A77A323FC5}" type="datetimeFigureOut">
               <a:rPr lang="en-US" smtClean="0"/>
-              <a:t>10/19/2018</a:t>
+              <a:t>10/20/2018</a:t>
             </a:fld>
             <a:endParaRPr lang="en-US"/>
           </a:p>
@@ -3161,7 +3164,7 @@
     </p:spTree>
     <p:extLst>
       <p:ext uri="{BB962C8B-B14F-4D97-AF65-F5344CB8AC3E}">
-        <p14:creationId xmlns:p14="http://schemas.microsoft.com/office/powerpoint/2010/main" val="523742585"/>
+        <p14:creationId xmlns:p14="http://schemas.microsoft.com/office/powerpoint/2010/main" val="707992318"/>
       </p:ext>
     </p:extLst>
   </p:cSld>
@@ -3207,6 +3210,7 @@
               <a:rPr lang="en-US"/>
               <a:t>Click to edit Master title style</a:t>
             </a:r>
+            <a:endParaRPr lang="en-US" dirty="0"/>
           </a:p>
         </p:txBody>
       </p:sp>
@@ -3228,7 +3232,7 @@
             <a:pPr lvl="0"/>
             <a:r>
               <a:rPr lang="en-US"/>
-              <a:t>Click to edit Master text styles</a:t>
+              <a:t>Edit Master text styles</a:t>
             </a:r>
           </a:p>
           <a:p>
@@ -3258,6 +3262,7 @@
               <a:rPr lang="en-US"/>
               <a:t>Fifth level</a:t>
             </a:r>
+            <a:endParaRPr lang="en-US" dirty="0"/>
           </a:p>
         </p:txBody>
       </p:sp>
@@ -3278,7 +3283,7 @@
           <a:p>
             <a:fld id="{F51D979C-FCAE-4E4A-AEC8-48A77A323FC5}" type="datetimeFigureOut">
               <a:rPr lang="en-US" smtClean="0"/>
-              <a:t>10/19/2018</a:t>
+              <a:t>10/20/2018</a:t>
             </a:fld>
             <a:endParaRPr lang="en-US"/>
           </a:p>
@@ -3329,7 +3334,7 @@
     </p:spTree>
     <p:extLst>
       <p:ext uri="{BB962C8B-B14F-4D97-AF65-F5344CB8AC3E}">
-        <p14:creationId xmlns:p14="http://schemas.microsoft.com/office/powerpoint/2010/main" val="1000898228"/>
+        <p14:creationId xmlns:p14="http://schemas.microsoft.com/office/powerpoint/2010/main" val="1002038900"/>
       </p:ext>
     </p:extLst>
   </p:cSld>
@@ -3380,6 +3385,7 @@
               <a:rPr lang="en-US"/>
               <a:t>Click to edit Master title style</a:t>
             </a:r>
+            <a:endParaRPr lang="en-US" dirty="0"/>
           </a:p>
         </p:txBody>
       </p:sp>
@@ -3406,7 +3412,7 @@
             <a:pPr lvl="0"/>
             <a:r>
               <a:rPr lang="en-US"/>
-              <a:t>Click to edit Master text styles</a:t>
+              <a:t>Edit Master text styles</a:t>
             </a:r>
           </a:p>
           <a:p>
@@ -3436,6 +3442,7 @@
               <a:rPr lang="en-US"/>
               <a:t>Fifth level</a:t>
             </a:r>
+            <a:endParaRPr lang="en-US" dirty="0"/>
           </a:p>
         </p:txBody>
       </p:sp>
@@ -3456,7 +3463,7 @@
           <a:p>
             <a:fld id="{F51D979C-FCAE-4E4A-AEC8-48A77A323FC5}" type="datetimeFigureOut">
               <a:rPr lang="en-US" smtClean="0"/>
-              <a:t>10/19/2018</a:t>
+              <a:t>10/20/2018</a:t>
             </a:fld>
             <a:endParaRPr lang="en-US"/>
           </a:p>
@@ -3507,7 +3514,7 @@
     </p:spTree>
     <p:extLst>
       <p:ext uri="{BB962C8B-B14F-4D97-AF65-F5344CB8AC3E}">
-        <p14:creationId xmlns:p14="http://schemas.microsoft.com/office/powerpoint/2010/main" val="278888479"/>
+        <p14:creationId xmlns:p14="http://schemas.microsoft.com/office/powerpoint/2010/main" val="1746776469"/>
       </p:ext>
     </p:extLst>
   </p:cSld>
@@ -3553,6 +3560,7 @@
               <a:rPr lang="en-US"/>
               <a:t>Click to edit Master title style</a:t>
             </a:r>
+            <a:endParaRPr lang="en-US" dirty="0"/>
           </a:p>
         </p:txBody>
       </p:sp>
@@ -3574,7 +3582,7 @@
             <a:pPr lvl="0"/>
             <a:r>
               <a:rPr lang="en-US"/>
-              <a:t>Click to edit Master text styles</a:t>
+              <a:t>Edit Master text styles</a:t>
             </a:r>
           </a:p>
           <a:p>
@@ -3604,6 +3612,7 @@
               <a:rPr lang="en-US"/>
               <a:t>Fifth level</a:t>
             </a:r>
+            <a:endParaRPr lang="en-US" dirty="0"/>
           </a:p>
         </p:txBody>
       </p:sp>
@@ -3624,7 +3633,7 @@
           <a:p>
             <a:fld id="{F51D979C-FCAE-4E4A-AEC8-48A77A323FC5}" type="datetimeFigureOut">
               <a:rPr lang="en-US" smtClean="0"/>
-              <a:t>10/19/2018</a:t>
+              <a:t>10/20/2018</a:t>
             </a:fld>
             <a:endParaRPr lang="en-US"/>
           </a:p>
@@ -3675,7 +3684,7 @@
     </p:spTree>
     <p:extLst>
       <p:ext uri="{BB962C8B-B14F-4D97-AF65-F5344CB8AC3E}">
-        <p14:creationId xmlns:p14="http://schemas.microsoft.com/office/powerpoint/2010/main" val="4003969140"/>
+        <p14:creationId xmlns:p14="http://schemas.microsoft.com/office/powerpoint/2010/main" val="1073235284"/>
       </p:ext>
     </p:extLst>
   </p:cSld>
@@ -3730,6 +3739,7 @@
               <a:rPr lang="en-US"/>
               <a:t>Click to edit Master title style</a:t>
             </a:r>
+            <a:endParaRPr lang="en-US" dirty="0"/>
           </a:p>
         </p:txBody>
       </p:sp>
@@ -3847,7 +3857,7 @@
             <a:pPr lvl="0"/>
             <a:r>
               <a:rPr lang="en-US"/>
-              <a:t>Click to edit Master text styles</a:t>
+              <a:t>Edit Master text styles</a:t>
             </a:r>
           </a:p>
         </p:txBody>
@@ -3869,7 +3879,7 @@
           <a:p>
             <a:fld id="{F51D979C-FCAE-4E4A-AEC8-48A77A323FC5}" type="datetimeFigureOut">
               <a:rPr lang="en-US" smtClean="0"/>
-              <a:t>10/19/2018</a:t>
+              <a:t>10/20/2018</a:t>
             </a:fld>
             <a:endParaRPr lang="en-US"/>
           </a:p>
@@ -3920,7 +3930,7 @@
     </p:spTree>
     <p:extLst>
       <p:ext uri="{BB962C8B-B14F-4D97-AF65-F5344CB8AC3E}">
-        <p14:creationId xmlns:p14="http://schemas.microsoft.com/office/powerpoint/2010/main" val="4153314897"/>
+        <p14:creationId xmlns:p14="http://schemas.microsoft.com/office/powerpoint/2010/main" val="20620826"/>
       </p:ext>
     </p:extLst>
   </p:cSld>
@@ -3966,6 +3976,7 @@
               <a:rPr lang="en-US"/>
               <a:t>Click to edit Master title style</a:t>
             </a:r>
+            <a:endParaRPr lang="en-US" dirty="0"/>
           </a:p>
         </p:txBody>
       </p:sp>
@@ -3992,7 +4003,7 @@
             <a:pPr lvl="0"/>
             <a:r>
               <a:rPr lang="en-US"/>
-              <a:t>Click to edit Master text styles</a:t>
+              <a:t>Edit Master text styles</a:t>
             </a:r>
           </a:p>
           <a:p>
@@ -4022,6 +4033,7 @@
               <a:rPr lang="en-US"/>
               <a:t>Fifth level</a:t>
             </a:r>
+            <a:endParaRPr lang="en-US" dirty="0"/>
           </a:p>
         </p:txBody>
       </p:sp>
@@ -4048,7 +4060,7 @@
             <a:pPr lvl="0"/>
             <a:r>
               <a:rPr lang="en-US"/>
-              <a:t>Click to edit Master text styles</a:t>
+              <a:t>Edit Master text styles</a:t>
             </a:r>
           </a:p>
           <a:p>
@@ -4078,6 +4090,7 @@
               <a:rPr lang="en-US"/>
               <a:t>Fifth level</a:t>
             </a:r>
+            <a:endParaRPr lang="en-US" dirty="0"/>
           </a:p>
         </p:txBody>
       </p:sp>
@@ -4098,7 +4111,7 @@
           <a:p>
             <a:fld id="{F51D979C-FCAE-4E4A-AEC8-48A77A323FC5}" type="datetimeFigureOut">
               <a:rPr lang="en-US" smtClean="0"/>
-              <a:t>10/19/2018</a:t>
+              <a:t>10/20/2018</a:t>
             </a:fld>
             <a:endParaRPr lang="en-US"/>
           </a:p>
@@ -4149,7 +4162,7 @@
     </p:spTree>
     <p:extLst>
       <p:ext uri="{BB962C8B-B14F-4D97-AF65-F5344CB8AC3E}">
-        <p14:creationId xmlns:p14="http://schemas.microsoft.com/office/powerpoint/2010/main" val="971515029"/>
+        <p14:creationId xmlns:p14="http://schemas.microsoft.com/office/powerpoint/2010/main" val="2943483650"/>
       </p:ext>
     </p:extLst>
   </p:cSld>
@@ -4200,6 +4213,7 @@
               <a:rPr lang="en-US"/>
               <a:t>Click to edit Master title style</a:t>
             </a:r>
+            <a:endParaRPr lang="en-US" dirty="0"/>
           </a:p>
         </p:txBody>
       </p:sp>
@@ -4263,7 +4277,7 @@
             <a:pPr lvl="0"/>
             <a:r>
               <a:rPr lang="en-US"/>
-              <a:t>Click to edit Master text styles</a:t>
+              <a:t>Edit Master text styles</a:t>
             </a:r>
           </a:p>
         </p:txBody>
@@ -4291,7 +4305,7 @@
             <a:pPr lvl="0"/>
             <a:r>
               <a:rPr lang="en-US"/>
-              <a:t>Click to edit Master text styles</a:t>
+              <a:t>Edit Master text styles</a:t>
             </a:r>
           </a:p>
           <a:p>
@@ -4321,6 +4335,7 @@
               <a:rPr lang="en-US"/>
               <a:t>Fifth level</a:t>
             </a:r>
+            <a:endParaRPr lang="en-US" dirty="0"/>
           </a:p>
         </p:txBody>
       </p:sp>
@@ -4384,7 +4399,7 @@
             <a:pPr lvl="0"/>
             <a:r>
               <a:rPr lang="en-US"/>
-              <a:t>Click to edit Master text styles</a:t>
+              <a:t>Edit Master text styles</a:t>
             </a:r>
           </a:p>
         </p:txBody>
@@ -4412,7 +4427,7 @@
             <a:pPr lvl="0"/>
             <a:r>
               <a:rPr lang="en-US"/>
-              <a:t>Click to edit Master text styles</a:t>
+              <a:t>Edit Master text styles</a:t>
             </a:r>
           </a:p>
           <a:p>
@@ -4442,6 +4457,7 @@
               <a:rPr lang="en-US"/>
               <a:t>Fifth level</a:t>
             </a:r>
+            <a:endParaRPr lang="en-US" dirty="0"/>
           </a:p>
         </p:txBody>
       </p:sp>
@@ -4462,7 +4478,7 @@
           <a:p>
             <a:fld id="{F51D979C-FCAE-4E4A-AEC8-48A77A323FC5}" type="datetimeFigureOut">
               <a:rPr lang="en-US" smtClean="0"/>
-              <a:t>10/19/2018</a:t>
+              <a:t>10/20/2018</a:t>
             </a:fld>
             <a:endParaRPr lang="en-US"/>
           </a:p>
@@ -4513,7 +4529,7 @@
     </p:spTree>
     <p:extLst>
       <p:ext uri="{BB962C8B-B14F-4D97-AF65-F5344CB8AC3E}">
-        <p14:creationId xmlns:p14="http://schemas.microsoft.com/office/powerpoint/2010/main" val="573852832"/>
+        <p14:creationId xmlns:p14="http://schemas.microsoft.com/office/powerpoint/2010/main" val="2502024349"/>
       </p:ext>
     </p:extLst>
   </p:cSld>
@@ -4559,6 +4575,7 @@
               <a:rPr lang="en-US"/>
               <a:t>Click to edit Master title style</a:t>
             </a:r>
+            <a:endParaRPr lang="en-US" dirty="0"/>
           </a:p>
         </p:txBody>
       </p:sp>
@@ -4579,7 +4596,7 @@
           <a:p>
             <a:fld id="{F51D979C-FCAE-4E4A-AEC8-48A77A323FC5}" type="datetimeFigureOut">
               <a:rPr lang="en-US" smtClean="0"/>
-              <a:t>10/19/2018</a:t>
+              <a:t>10/20/2018</a:t>
             </a:fld>
             <a:endParaRPr lang="en-US"/>
           </a:p>
@@ -4630,7 +4647,7 @@
     </p:spTree>
     <p:extLst>
       <p:ext uri="{BB962C8B-B14F-4D97-AF65-F5344CB8AC3E}">
-        <p14:creationId xmlns:p14="http://schemas.microsoft.com/office/powerpoint/2010/main" val="3622810645"/>
+        <p14:creationId xmlns:p14="http://schemas.microsoft.com/office/powerpoint/2010/main" val="1554634092"/>
       </p:ext>
     </p:extLst>
   </p:cSld>
@@ -4674,7 +4691,7 @@
           <a:p>
             <a:fld id="{F51D979C-FCAE-4E4A-AEC8-48A77A323FC5}" type="datetimeFigureOut">
               <a:rPr lang="en-US" smtClean="0"/>
-              <a:t>10/19/2018</a:t>
+              <a:t>10/20/2018</a:t>
             </a:fld>
             <a:endParaRPr lang="en-US"/>
           </a:p>
@@ -4725,7 +4742,7 @@
     </p:spTree>
     <p:extLst>
       <p:ext uri="{BB962C8B-B14F-4D97-AF65-F5344CB8AC3E}">
-        <p14:creationId xmlns:p14="http://schemas.microsoft.com/office/powerpoint/2010/main" val="2380705726"/>
+        <p14:creationId xmlns:p14="http://schemas.microsoft.com/office/powerpoint/2010/main" val="3392617217"/>
       </p:ext>
     </p:extLst>
   </p:cSld>
@@ -4780,6 +4797,7 @@
               <a:rPr lang="en-US"/>
               <a:t>Click to edit Master title style</a:t>
             </a:r>
+            <a:endParaRPr lang="en-US" dirty="0"/>
           </a:p>
         </p:txBody>
       </p:sp>
@@ -4834,7 +4852,7 @@
             <a:pPr lvl="0"/>
             <a:r>
               <a:rPr lang="en-US"/>
-              <a:t>Click to edit Master text styles</a:t>
+              <a:t>Edit Master text styles</a:t>
             </a:r>
           </a:p>
           <a:p>
@@ -4864,6 +4882,7 @@
               <a:rPr lang="en-US"/>
               <a:t>Fifth level</a:t>
             </a:r>
+            <a:endParaRPr lang="en-US" dirty="0"/>
           </a:p>
         </p:txBody>
       </p:sp>
@@ -4927,7 +4946,7 @@
             <a:pPr lvl="0"/>
             <a:r>
               <a:rPr lang="en-US"/>
-              <a:t>Click to edit Master text styles</a:t>
+              <a:t>Edit Master text styles</a:t>
             </a:r>
           </a:p>
         </p:txBody>
@@ -4949,7 +4968,7 @@
           <a:p>
             <a:fld id="{F51D979C-FCAE-4E4A-AEC8-48A77A323FC5}" type="datetimeFigureOut">
               <a:rPr lang="en-US" smtClean="0"/>
-              <a:t>10/19/2018</a:t>
+              <a:t>10/20/2018</a:t>
             </a:fld>
             <a:endParaRPr lang="en-US"/>
           </a:p>
@@ -5000,7 +5019,7 @@
     </p:spTree>
     <p:extLst>
       <p:ext uri="{BB962C8B-B14F-4D97-AF65-F5344CB8AC3E}">
-        <p14:creationId xmlns:p14="http://schemas.microsoft.com/office/powerpoint/2010/main" val="1670456534"/>
+        <p14:creationId xmlns:p14="http://schemas.microsoft.com/office/powerpoint/2010/main" val="3487399154"/>
       </p:ext>
     </p:extLst>
   </p:cSld>
@@ -5055,6 +5074,7 @@
               <a:rPr lang="en-US"/>
               <a:t>Click to edit Master title style</a:t>
             </a:r>
+            <a:endParaRPr lang="en-US" dirty="0"/>
           </a:p>
         </p:txBody>
       </p:sp>
@@ -5062,7 +5082,7 @@
         <p:nvSpPr>
           <p:cNvPr id="3" name="Picture Placeholder 2"/>
           <p:cNvSpPr>
-            <a:spLocks noGrp="1"/>
+            <a:spLocks noGrp="1" noChangeAspect="1"/>
           </p:cNvSpPr>
           <p:nvPr>
             <p:ph type="pic" idx="1"/>
@@ -5075,7 +5095,7 @@
           </a:xfrm>
         </p:spPr>
         <p:txBody>
-          <a:bodyPr/>
+          <a:bodyPr anchor="t"/>
           <a:lstStyle>
             <a:lvl1pPr marL="0" indent="0">
               <a:buNone/>
@@ -5115,7 +5135,11 @@
             </a:lvl9pPr>
           </a:lstStyle>
           <a:p>
-            <a:endParaRPr lang="en-US"/>
+            <a:r>
+              <a:rPr lang="en-US"/>
+              <a:t>Click icon to add picture</a:t>
+            </a:r>
+            <a:endParaRPr lang="en-US" dirty="0"/>
           </a:p>
         </p:txBody>
       </p:sp>
@@ -5179,7 +5203,7 @@
             <a:pPr lvl="0"/>
             <a:r>
               <a:rPr lang="en-US"/>
-              <a:t>Click to edit Master text styles</a:t>
+              <a:t>Edit Master text styles</a:t>
             </a:r>
           </a:p>
         </p:txBody>
@@ -5201,7 +5225,7 @@
           <a:p>
             <a:fld id="{F51D979C-FCAE-4E4A-AEC8-48A77A323FC5}" type="datetimeFigureOut">
               <a:rPr lang="en-US" smtClean="0"/>
-              <a:t>10/19/2018</a:t>
+              <a:t>10/20/2018</a:t>
             </a:fld>
             <a:endParaRPr lang="en-US"/>
           </a:p>
@@ -5252,7 +5276,7 @@
     </p:spTree>
     <p:extLst>
       <p:ext uri="{BB962C8B-B14F-4D97-AF65-F5344CB8AC3E}">
-        <p14:creationId xmlns:p14="http://schemas.microsoft.com/office/powerpoint/2010/main" val="400336942"/>
+        <p14:creationId xmlns:p14="http://schemas.microsoft.com/office/powerpoint/2010/main" val="3527134803"/>
       </p:ext>
     </p:extLst>
   </p:cSld>
@@ -5313,6 +5337,7 @@
               <a:rPr lang="en-US"/>
               <a:t>Click to edit Master title style</a:t>
             </a:r>
+            <a:endParaRPr lang="en-US" dirty="0"/>
           </a:p>
         </p:txBody>
       </p:sp>
@@ -5344,7 +5369,7 @@
             <a:pPr lvl="0"/>
             <a:r>
               <a:rPr lang="en-US"/>
-              <a:t>Click to edit Master text styles</a:t>
+              <a:t>Edit Master text styles</a:t>
             </a:r>
           </a:p>
           <a:p>
@@ -5374,6 +5399,7 @@
               <a:rPr lang="en-US"/>
               <a:t>Fifth level</a:t>
             </a:r>
+            <a:endParaRPr lang="en-US" dirty="0"/>
           </a:p>
         </p:txBody>
       </p:sp>
@@ -5412,7 +5438,7 @@
           <a:p>
             <a:fld id="{F51D979C-FCAE-4E4A-AEC8-48A77A323FC5}" type="datetimeFigureOut">
               <a:rPr lang="en-US" smtClean="0"/>
-              <a:t>10/19/2018</a:t>
+              <a:t>10/20/2018</a:t>
             </a:fld>
             <a:endParaRPr lang="en-US"/>
           </a:p>
@@ -5499,23 +5525,23 @@
     </p:spTree>
     <p:extLst>
       <p:ext uri="{BB962C8B-B14F-4D97-AF65-F5344CB8AC3E}">
-        <p14:creationId xmlns:p14="http://schemas.microsoft.com/office/powerpoint/2010/main" val="3354436831"/>
+        <p14:creationId xmlns:p14="http://schemas.microsoft.com/office/powerpoint/2010/main" val="2197421955"/>
       </p:ext>
     </p:extLst>
   </p:cSld>
   <p:clrMap bg1="lt1" tx1="dk1" bg2="lt2" tx2="dk2" accent1="accent1" accent2="accent2" accent3="accent3" accent4="accent4" accent5="accent5" accent6="accent6" hlink="hlink" folHlink="folHlink"/>
   <p:sldLayoutIdLst>
-    <p:sldLayoutId id="2147483649" r:id="rId1"/>
-    <p:sldLayoutId id="2147483650" r:id="rId2"/>
-    <p:sldLayoutId id="2147483651" r:id="rId3"/>
-    <p:sldLayoutId id="2147483652" r:id="rId4"/>
-    <p:sldLayoutId id="2147483653" r:id="rId5"/>
-    <p:sldLayoutId id="2147483654" r:id="rId6"/>
-    <p:sldLayoutId id="2147483655" r:id="rId7"/>
-    <p:sldLayoutId id="2147483656" r:id="rId8"/>
-    <p:sldLayoutId id="2147483657" r:id="rId9"/>
-    <p:sldLayoutId id="2147483658" r:id="rId10"/>
-    <p:sldLayoutId id="2147483659" r:id="rId11"/>
+    <p:sldLayoutId id="2147483661" r:id="rId1"/>
+    <p:sldLayoutId id="2147483662" r:id="rId2"/>
+    <p:sldLayoutId id="2147483663" r:id="rId3"/>
+    <p:sldLayoutId id="2147483664" r:id="rId4"/>
+    <p:sldLayoutId id="2147483665" r:id="rId5"/>
+    <p:sldLayoutId id="2147483666" r:id="rId6"/>
+    <p:sldLayoutId id="2147483667" r:id="rId7"/>
+    <p:sldLayoutId id="2147483668" r:id="rId8"/>
+    <p:sldLayoutId id="2147483669" r:id="rId9"/>
+    <p:sldLayoutId id="2147483670" r:id="rId10"/>
+    <p:sldLayoutId id="2147483671" r:id="rId11"/>
   </p:sldLayoutIdLst>
   <p:txStyles>
     <p:titleStyle>
@@ -5855,7 +5881,7 @@
           <a:p>
             <a:pPr algn="ctr"/>
             <a:r>
-              <a:rPr lang="en-US" sz="5400" dirty="0">
+              <a:rPr lang="en-US" sz="5400" b="1" dirty="0">
                 <a:solidFill>
                   <a:schemeClr val="accent1">
                     <a:lumMod val="75000"/>
@@ -5867,14 +5893,18 @@
             <a:br>
               <a:rPr lang="en-US" sz="5400" dirty="0">
                 <a:solidFill>
-                  <a:srgbClr val="1B1B1B"/>
+                  <a:schemeClr val="accent1">
+                    <a:lumMod val="75000"/>
+                  </a:schemeClr>
                 </a:solidFill>
               </a:rPr>
             </a:br>
             <a:br>
               <a:rPr lang="en-US" sz="5400" dirty="0">
                 <a:solidFill>
-                  <a:srgbClr val="1B1B1B"/>
+                  <a:schemeClr val="accent1">
+                    <a:lumMod val="75000"/>
+                  </a:schemeClr>
                 </a:solidFill>
               </a:rPr>
             </a:br>
@@ -5919,136 +5949,8 @@
                   <a:srgbClr val="1B1B1B"/>
                 </a:solidFill>
               </a:rPr>
-              <a:t>Anheuser Busch – Oct 18,2018</a:t>
+              <a:t>Anheuser Busch Marketing Consultation – October - 2018</a:t>
             </a:r>
-          </a:p>
-        </p:txBody>
-      </p:sp>
-      <p:sp>
-        <p:nvSpPr>
-          <p:cNvPr id="22" name="Oval 21">
-            <a:extLst>
-              <a:ext uri="{FF2B5EF4-FFF2-40B4-BE49-F238E27FC236}">
-                <a16:creationId xmlns:a16="http://schemas.microsoft.com/office/drawing/2014/main" id="{FBC3EAFD-A275-4F9B-8F62-72B6678F35A8}"/>
-              </a:ext>
-              <a:ext uri="{C183D7F6-B498-43B3-948B-1728B52AA6E4}">
-                <adec:decorative xmlns:adec="http://schemas.microsoft.com/office/drawing/2017/decorative" val="1"/>
-              </a:ext>
-            </a:extLst>
-          </p:cNvPr>
-          <p:cNvSpPr>
-            <a:spLocks noGrp="1" noRot="1" noChangeAspect="1" noMove="1" noResize="1" noEditPoints="1" noAdjustHandles="1" noChangeArrowheads="1" noChangeShapeType="1" noTextEdit="1"/>
-          </p:cNvSpPr>
-          <p:nvPr>
-            <p:extLst>
-              <p:ext uri="{386F3935-93C4-4BCD-93E2-E3B085C9AB24}">
-                <p16:designElem xmlns:p16="http://schemas.microsoft.com/office/powerpoint/2015/main" val="1"/>
-              </p:ext>
-            </p:extLst>
-          </p:nvPr>
-        </p:nvSpPr>
-        <p:spPr>
-          <a:xfrm>
-            <a:off x="4908526" y="933319"/>
-            <a:ext cx="2463430" cy="2486070"/>
-          </a:xfrm>
-          <a:prstGeom prst="ellipse">
-            <a:avLst/>
-          </a:prstGeom>
-          <a:solidFill>
-            <a:srgbClr val="5A463C"/>
-          </a:solidFill>
-          <a:ln>
-            <a:noFill/>
-          </a:ln>
-        </p:spPr>
-        <p:style>
-          <a:lnRef idx="2">
-            <a:schemeClr val="accent1">
-              <a:shade val="50000"/>
-            </a:schemeClr>
-          </a:lnRef>
-          <a:fillRef idx="1">
-            <a:schemeClr val="accent1"/>
-          </a:fillRef>
-          <a:effectRef idx="0">
-            <a:schemeClr val="accent1"/>
-          </a:effectRef>
-          <a:fontRef idx="minor">
-            <a:schemeClr val="lt1"/>
-          </a:fontRef>
-        </p:style>
-        <p:txBody>
-          <a:bodyPr rtlCol="0" anchor="ctr"/>
-          <a:lstStyle/>
-          <a:p>
-            <a:pPr algn="ctr"/>
-            <a:endParaRPr lang="en-US"/>
-          </a:p>
-        </p:txBody>
-      </p:sp>
-      <p:sp>
-        <p:nvSpPr>
-          <p:cNvPr id="24" name="Oval 23">
-            <a:extLst>
-              <a:ext uri="{FF2B5EF4-FFF2-40B4-BE49-F238E27FC236}">
-                <a16:creationId xmlns:a16="http://schemas.microsoft.com/office/drawing/2014/main" id="{06E64A6D-2B9F-4AAD-AB42-A61BAF01AC12}"/>
-              </a:ext>
-              <a:ext uri="{C183D7F6-B498-43B3-948B-1728B52AA6E4}">
-                <adec:decorative xmlns:adec="http://schemas.microsoft.com/office/drawing/2017/decorative" val="1"/>
-              </a:ext>
-            </a:extLst>
-          </p:cNvPr>
-          <p:cNvSpPr>
-            <a:spLocks noGrp="1" noRot="1" noChangeAspect="1" noMove="1" noResize="1" noEditPoints="1" noAdjustHandles="1" noChangeArrowheads="1" noChangeShapeType="1" noTextEdit="1"/>
-          </p:cNvSpPr>
-          <p:nvPr>
-            <p:extLst>
-              <p:ext uri="{386F3935-93C4-4BCD-93E2-E3B085C9AB24}">
-                <p16:designElem xmlns:p16="http://schemas.microsoft.com/office/powerpoint/2015/main" val="1"/>
-              </p:ext>
-            </p:extLst>
-          </p:nvPr>
-        </p:nvSpPr>
-        <p:spPr>
-          <a:xfrm>
-            <a:off x="5117592" y="1268361"/>
-            <a:ext cx="1956816" cy="1953058"/>
-          </a:xfrm>
-          <a:prstGeom prst="ellipse">
-            <a:avLst/>
-          </a:prstGeom>
-          <a:solidFill>
-            <a:srgbClr val="FFFFFF"/>
-          </a:solidFill>
-          <a:ln>
-            <a:solidFill>
-              <a:srgbClr val="5A463C"/>
-            </a:solidFill>
-          </a:ln>
-        </p:spPr>
-        <p:style>
-          <a:lnRef idx="2">
-            <a:schemeClr val="accent1">
-              <a:shade val="50000"/>
-            </a:schemeClr>
-          </a:lnRef>
-          <a:fillRef idx="1">
-            <a:schemeClr val="accent1"/>
-          </a:fillRef>
-          <a:effectRef idx="0">
-            <a:schemeClr val="accent1"/>
-          </a:effectRef>
-          <a:fontRef idx="minor">
-            <a:schemeClr val="lt1"/>
-          </a:fontRef>
-        </p:style>
-        <p:txBody>
-          <a:bodyPr rtlCol="0" anchor="ctr"/>
-          <a:lstStyle/>
-          <a:p>
-            <a:pPr algn="ctr"/>
-            <a:endParaRPr lang="en-US"/>
           </a:p>
         </p:txBody>
       </p:sp>
@@ -6082,8 +5984,8 @@
         </p:blipFill>
         <p:spPr>
           <a:xfrm>
-            <a:off x="5069147" y="1112901"/>
-            <a:ext cx="1956816" cy="2263978"/>
+            <a:off x="5069147" y="1735667"/>
+            <a:ext cx="1956816" cy="1641212"/>
           </a:xfrm>
           <a:custGeom>
             <a:avLst/>
@@ -6152,163 +6054,6 @@
           </a:effectLst>
         </p:spPr>
       </p:pic>
-      <p:pic>
-        <p:nvPicPr>
-          <p:cNvPr id="26" name="Picture 25">
-            <a:extLst>
-              <a:ext uri="{FF2B5EF4-FFF2-40B4-BE49-F238E27FC236}">
-                <a16:creationId xmlns:a16="http://schemas.microsoft.com/office/drawing/2014/main" id="{C51881DD-AD85-41BE-8A49-C2FB45800E10}"/>
-              </a:ext>
-              <a:ext uri="{C183D7F6-B498-43B3-948B-1728B52AA6E4}">
-                <adec:decorative xmlns:adec="http://schemas.microsoft.com/office/drawing/2017/decorative" val="1"/>
-              </a:ext>
-            </a:extLst>
-          </p:cNvPr>
-          <p:cNvPicPr>
-            <a:picLocks noGrp="1" noRot="1" noChangeAspect="1" noMove="1" noResize="1" noEditPoints="1" noAdjustHandles="1" noChangeArrowheads="1" noChangeShapeType="1" noCrop="1"/>
-          </p:cNvPicPr>
-          <p:nvPr>
-            <p:extLst>
-              <p:ext uri="{386F3935-93C4-4BCD-93E2-E3B085C9AB24}">
-                <p16:designElem xmlns:p16="http://schemas.microsoft.com/office/powerpoint/2015/main" val="1"/>
-              </p:ext>
-            </p:extLst>
-          </p:nvPr>
-        </p:nvPicPr>
-        <p:blipFill>
-          <a:blip r:embed="rId3" cstate="print">
-            <a:extLst>
-              <a:ext uri="{28A0092B-C50C-407E-A947-70E740481C1C}">
-                <a14:useLocalDpi xmlns:a14="http://schemas.microsoft.com/office/drawing/2010/main" val="0"/>
-              </a:ext>
-            </a:extLst>
-          </a:blip>
-          <a:srcRect l="33525" t="5243" r="33525" b="36180"/>
-          <a:stretch>
-            <a:fillRect/>
-          </a:stretch>
-        </p:blipFill>
-        <p:spPr>
-          <a:xfrm>
-            <a:off x="4860081" y="896194"/>
-            <a:ext cx="2560320" cy="2560320"/>
-          </a:xfrm>
-          <a:custGeom>
-            <a:avLst/>
-            <a:gdLst>
-              <a:gd name="connsiteX0" fmla="*/ 2008598 w 4017196"/>
-              <a:gd name="connsiteY0" fmla="*/ 0 h 4017196"/>
-              <a:gd name="connsiteX1" fmla="*/ 4017196 w 4017196"/>
-              <a:gd name="connsiteY1" fmla="*/ 2008598 h 4017196"/>
-              <a:gd name="connsiteX2" fmla="*/ 2008598 w 4017196"/>
-              <a:gd name="connsiteY2" fmla="*/ 4017196 h 4017196"/>
-              <a:gd name="connsiteX3" fmla="*/ 0 w 4017196"/>
-              <a:gd name="connsiteY3" fmla="*/ 2008598 h 4017196"/>
-              <a:gd name="connsiteX4" fmla="*/ 2008598 w 4017196"/>
-              <a:gd name="connsiteY4" fmla="*/ 0 h 4017196"/>
-            </a:gdLst>
-            <a:ahLst/>
-            <a:cxnLst>
-              <a:cxn ang="0">
-                <a:pos x="connsiteX0" y="connsiteY0"/>
-              </a:cxn>
-              <a:cxn ang="0">
-                <a:pos x="connsiteX1" y="connsiteY1"/>
-              </a:cxn>
-              <a:cxn ang="0">
-                <a:pos x="connsiteX2" y="connsiteY2"/>
-              </a:cxn>
-              <a:cxn ang="0">
-                <a:pos x="connsiteX3" y="connsiteY3"/>
-              </a:cxn>
-              <a:cxn ang="0">
-                <a:pos x="connsiteX4" y="connsiteY4"/>
-              </a:cxn>
-            </a:cxnLst>
-            <a:rect l="l" t="t" r="r" b="b"/>
-            <a:pathLst>
-              <a:path w="4017196" h="4017196">
-                <a:moveTo>
-                  <a:pt x="2008598" y="0"/>
-                </a:moveTo>
-                <a:cubicBezTo>
-                  <a:pt x="3117916" y="0"/>
-                  <a:pt x="4017196" y="899280"/>
-                  <a:pt x="4017196" y="2008598"/>
-                </a:cubicBezTo>
-                <a:cubicBezTo>
-                  <a:pt x="4017196" y="3117916"/>
-                  <a:pt x="3117916" y="4017196"/>
-                  <a:pt x="2008598" y="4017196"/>
-                </a:cubicBezTo>
-                <a:cubicBezTo>
-                  <a:pt x="899280" y="4017196"/>
-                  <a:pt x="0" y="3117916"/>
-                  <a:pt x="0" y="2008598"/>
-                </a:cubicBezTo>
-                <a:cubicBezTo>
-                  <a:pt x="0" y="899280"/>
-                  <a:pt x="899280" y="0"/>
-                  <a:pt x="2008598" y="0"/>
-                </a:cubicBezTo>
-                <a:close/>
-              </a:path>
-            </a:pathLst>
-          </a:custGeom>
-        </p:spPr>
-      </p:pic>
-      <p:cxnSp>
-        <p:nvCxnSpPr>
-          <p:cNvPr id="28" name="Straight Connector 27">
-            <a:extLst>
-              <a:ext uri="{FF2B5EF4-FFF2-40B4-BE49-F238E27FC236}">
-                <a16:creationId xmlns:a16="http://schemas.microsoft.com/office/drawing/2014/main" id="{9AD20FE8-ED02-4CDE-83B1-A1436305C3DC}"/>
-              </a:ext>
-              <a:ext uri="{C183D7F6-B498-43B3-948B-1728B52AA6E4}">
-                <adec:decorative xmlns:adec="http://schemas.microsoft.com/office/drawing/2017/decorative" val="1"/>
-              </a:ext>
-            </a:extLst>
-          </p:cNvPr>
-          <p:cNvCxnSpPr>
-            <a:cxnSpLocks noGrp="1" noRot="1" noChangeAspect="1" noMove="1" noResize="1" noEditPoints="1" noAdjustHandles="1" noChangeArrowheads="1" noChangeShapeType="1"/>
-          </p:cNvCxnSpPr>
-          <p:nvPr>
-            <p:extLst>
-              <p:ext uri="{386F3935-93C4-4BCD-93E2-E3B085C9AB24}">
-                <p16:designElem xmlns:p16="http://schemas.microsoft.com/office/powerpoint/2015/main" val="1"/>
-              </p:ext>
-            </p:extLst>
-          </p:nvPr>
-        </p:nvCxnSpPr>
-        <p:spPr>
-          <a:xfrm>
-            <a:off x="5775960" y="4971278"/>
-            <a:ext cx="640080" cy="0"/>
-          </a:xfrm>
-          <a:prstGeom prst="line">
-            <a:avLst/>
-          </a:prstGeom>
-          <a:ln w="28575">
-            <a:solidFill>
-              <a:srgbClr val="FFF053"/>
-            </a:solidFill>
-          </a:ln>
-        </p:spPr>
-        <p:style>
-          <a:lnRef idx="1">
-            <a:schemeClr val="accent1"/>
-          </a:lnRef>
-          <a:fillRef idx="0">
-            <a:schemeClr val="accent1"/>
-          </a:fillRef>
-          <a:effectRef idx="0">
-            <a:schemeClr val="accent1"/>
-          </a:effectRef>
-          <a:fontRef idx="minor">
-            <a:schemeClr val="tx1"/>
-          </a:fontRef>
-        </p:style>
-      </p:cxnSp>
     </p:spTree>
     <p:extLst>
       <p:ext uri="{BB962C8B-B14F-4D97-AF65-F5344CB8AC3E}">
@@ -6349,10 +6094,10 @@
       </p:grpSpPr>
       <p:sp>
         <p:nvSpPr>
-          <p:cNvPr id="12" name="Down Arrow 7">
+          <p:cNvPr id="17" name="Rectangle 16">
             <a:extLst>
               <a:ext uri="{FF2B5EF4-FFF2-40B4-BE49-F238E27FC236}">
-                <a16:creationId xmlns:a16="http://schemas.microsoft.com/office/drawing/2014/main" id="{73DE2CFE-42F2-48F0-8706-5264E012B10C}"/>
+                <a16:creationId xmlns:a16="http://schemas.microsoft.com/office/drawing/2014/main" id="{6753252F-4873-4F63-801D-CC719279A7D5}"/>
               </a:ext>
               <a:ext uri="{C183D7F6-B498-43B3-948B-1728B52AA6E4}">
                 <adec:decorative xmlns:adec="http://schemas.microsoft.com/office/drawing/2017/decorative" val="1"/>
@@ -6371,20 +6116,17 @@
           </p:nvPr>
         </p:nvSpPr>
         <p:spPr>
-          <a:xfrm rot="16200000">
-            <a:off x="1288521" y="381403"/>
-            <a:ext cx="2200313" cy="3342508"/>
+          <a:xfrm>
+            <a:off x="0" y="0"/>
+            <a:ext cx="12192000" cy="6858000"/>
           </a:xfrm>
-          <a:prstGeom prst="downArrow">
-            <a:avLst>
-              <a:gd name="adj1" fmla="val 100000"/>
-              <a:gd name="adj2" fmla="val 15788"/>
-            </a:avLst>
+          <a:prstGeom prst="rect">
+            <a:avLst/>
           </a:prstGeom>
           <a:solidFill>
-            <a:srgbClr val="404040"/>
-          </a:solidFill>
-          <a:ln w="53975">
+            <a:srgbClr val="FFFFFF"/>
+          </a:solidFill>
+          <a:ln>
             <a:noFill/>
           </a:ln>
         </p:spPr>
@@ -6408,40 +6150,260 @@
           <a:bodyPr rtlCol="0" anchor="ctr"/>
           <a:lstStyle/>
           <a:p>
-            <a:pPr marL="0" marR="0" lvl="0" indent="0" algn="ctr" defTabSz="914400" rtl="0" eaLnBrk="1" fontAlgn="auto" latinLnBrk="0" hangingPunct="1">
-              <a:lnSpc>
-                <a:spcPct val="100000"/>
-              </a:lnSpc>
-              <a:spcBef>
-                <a:spcPts val="0"/>
-              </a:spcBef>
-              <a:spcAft>
-                <a:spcPts val="0"/>
-              </a:spcAft>
-              <a:buClrTx/>
-              <a:buSzTx/>
-              <a:buFontTx/>
-              <a:buNone/>
-              <a:tabLst/>
-              <a:defRPr/>
-            </a:pPr>
-            <a:endParaRPr kumimoji="0" lang="en-US" sz="1800" b="0" i="0" u="none" strike="noStrike" kern="1200" cap="none" spc="0" normalizeH="0" baseline="0" noProof="0">
-              <a:ln>
-                <a:noFill/>
-              </a:ln>
-              <a:solidFill>
-                <a:prstClr val="white"/>
-              </a:solidFill>
-              <a:effectLst/>
-              <a:uLnTx/>
-              <a:uFillTx/>
-              <a:latin typeface="Calibri" panose="020F0502020204030204"/>
-              <a:ea typeface="+mn-ea"/>
-              <a:cs typeface="+mn-cs"/>
-            </a:endParaRPr>
+            <a:pPr algn="ctr"/>
+            <a:endParaRPr lang="en-US"/>
           </a:p>
         </p:txBody>
       </p:sp>
+      <p:sp>
+        <p:nvSpPr>
+          <p:cNvPr id="19" name="Rectangle 18">
+            <a:extLst>
+              <a:ext uri="{FF2B5EF4-FFF2-40B4-BE49-F238E27FC236}">
+                <a16:creationId xmlns:a16="http://schemas.microsoft.com/office/drawing/2014/main" id="{047C8CCB-F95D-4249-92DD-651249D3535A}"/>
+              </a:ext>
+              <a:ext uri="{C183D7F6-B498-43B3-948B-1728B52AA6E4}">
+                <adec:decorative xmlns:adec="http://schemas.microsoft.com/office/drawing/2017/decorative" val="1"/>
+              </a:ext>
+            </a:extLst>
+          </p:cNvPr>
+          <p:cNvSpPr>
+            <a:spLocks noGrp="1" noRot="1" noChangeAspect="1" noMove="1" noResize="1" noEditPoints="1" noAdjustHandles="1" noChangeArrowheads="1" noChangeShapeType="1" noTextEdit="1"/>
+          </p:cNvSpPr>
+          <p:nvPr>
+            <p:extLst>
+              <p:ext uri="{386F3935-93C4-4BCD-93E2-E3B085C9AB24}">
+                <p16:designElem xmlns:p16="http://schemas.microsoft.com/office/powerpoint/2015/main" val="1"/>
+              </p:ext>
+            </p:extLst>
+          </p:nvPr>
+        </p:nvSpPr>
+        <p:spPr>
+          <a:xfrm>
+            <a:off x="0" y="0"/>
+            <a:ext cx="2013557" cy="6858000"/>
+          </a:xfrm>
+          <a:prstGeom prst="rect">
+            <a:avLst/>
+          </a:prstGeom>
+          <a:solidFill>
+            <a:srgbClr val="7F7F7F"/>
+          </a:solidFill>
+          <a:ln>
+            <a:noFill/>
+          </a:ln>
+        </p:spPr>
+        <p:style>
+          <a:lnRef idx="2">
+            <a:schemeClr val="accent1">
+              <a:shade val="50000"/>
+            </a:schemeClr>
+          </a:lnRef>
+          <a:fillRef idx="1">
+            <a:schemeClr val="accent1"/>
+          </a:fillRef>
+          <a:effectRef idx="0">
+            <a:schemeClr val="accent1"/>
+          </a:effectRef>
+          <a:fontRef idx="minor">
+            <a:schemeClr val="lt1"/>
+          </a:fontRef>
+        </p:style>
+        <p:txBody>
+          <a:bodyPr rtlCol="0" anchor="ctr"/>
+          <a:lstStyle/>
+          <a:p>
+            <a:pPr algn="ctr"/>
+            <a:endParaRPr lang="en-US"/>
+          </a:p>
+        </p:txBody>
+      </p:sp>
+      <p:sp>
+        <p:nvSpPr>
+          <p:cNvPr id="2" name="Title 1">
+            <a:extLst>
+              <a:ext uri="{FF2B5EF4-FFF2-40B4-BE49-F238E27FC236}">
+                <a16:creationId xmlns:a16="http://schemas.microsoft.com/office/drawing/2014/main" id="{76FF5B3E-E716-4CF5-B4C6-CEB93E529EDF}"/>
+              </a:ext>
+            </a:extLst>
+          </p:cNvPr>
+          <p:cNvSpPr>
+            <a:spLocks noGrp="1"/>
+          </p:cNvSpPr>
+          <p:nvPr>
+            <p:ph type="title"/>
+          </p:nvPr>
+        </p:nvSpPr>
+        <p:spPr>
+          <a:xfrm>
+            <a:off x="346653" y="680545"/>
+            <a:ext cx="2464280" cy="2709275"/>
+          </a:xfrm>
+          <a:prstGeom prst="ellipse">
+            <a:avLst/>
+          </a:prstGeom>
+          <a:solidFill>
+            <a:srgbClr val="262626"/>
+          </a:solidFill>
+          <a:ln w="174625" cmpd="thinThick">
+            <a:solidFill>
+              <a:srgbClr val="262626"/>
+            </a:solidFill>
+          </a:ln>
+        </p:spPr>
+        <p:txBody>
+          <a:bodyPr vert="horz" lIns="91440" tIns="45720" rIns="91440" bIns="45720" rtlCol="0" anchor="ctr">
+            <a:normAutofit/>
+          </a:bodyPr>
+          <a:lstStyle/>
+          <a:p>
+            <a:pPr algn="ctr"/>
+            <a:r>
+              <a:rPr lang="en-US" sz="2600" b="1" kern="1200" dirty="0">
+                <a:solidFill>
+                  <a:schemeClr val="accent5">
+                    <a:lumMod val="75000"/>
+                  </a:schemeClr>
+                </a:solidFill>
+                <a:latin typeface="+mj-lt"/>
+                <a:ea typeface="+mj-ea"/>
+                <a:cs typeface="+mj-cs"/>
+              </a:rPr>
+              <a:t>Summary of Alcohol by Volume</a:t>
+            </a:r>
+          </a:p>
+        </p:txBody>
+      </p:sp>
+      <p:pic>
+        <p:nvPicPr>
+          <p:cNvPr id="5" name="Picture 4">
+            <a:extLst>
+              <a:ext uri="{FF2B5EF4-FFF2-40B4-BE49-F238E27FC236}">
+                <a16:creationId xmlns:a16="http://schemas.microsoft.com/office/drawing/2014/main" id="{3D128970-8D9A-4DD7-9AB1-845568C55496}"/>
+              </a:ext>
+            </a:extLst>
+          </p:cNvPr>
+          <p:cNvPicPr>
+            <a:picLocks noChangeAspect="1"/>
+          </p:cNvPicPr>
+          <p:nvPr/>
+        </p:nvPicPr>
+        <p:blipFill>
+          <a:blip r:embed="rId2">
+            <a:extLst>
+              <a:ext uri="{28A0092B-C50C-407E-A947-70E740481C1C}">
+                <a14:useLocalDpi xmlns:a14="http://schemas.microsoft.com/office/drawing/2010/main" val="0"/>
+              </a:ext>
+            </a:extLst>
+          </a:blip>
+          <a:stretch>
+            <a:fillRect/>
+          </a:stretch>
+        </p:blipFill>
+        <p:spPr>
+          <a:xfrm>
+            <a:off x="4363617" y="249299"/>
+            <a:ext cx="6896486" cy="4930987"/>
+          </a:xfrm>
+          <a:prstGeom prst="rect">
+            <a:avLst/>
+          </a:prstGeom>
+        </p:spPr>
+      </p:pic>
+      <p:sp>
+        <p:nvSpPr>
+          <p:cNvPr id="4" name="Text Placeholder 3">
+            <a:extLst>
+              <a:ext uri="{FF2B5EF4-FFF2-40B4-BE49-F238E27FC236}">
+                <a16:creationId xmlns:a16="http://schemas.microsoft.com/office/drawing/2014/main" id="{F60C4CF8-F295-471A-B3CB-1CE80D2C706C}"/>
+              </a:ext>
+            </a:extLst>
+          </p:cNvPr>
+          <p:cNvSpPr>
+            <a:spLocks noGrp="1"/>
+          </p:cNvSpPr>
+          <p:nvPr>
+            <p:ph type="body" sz="half" idx="4294967295"/>
+          </p:nvPr>
+        </p:nvSpPr>
+        <p:spPr>
+          <a:xfrm>
+            <a:off x="2013557" y="5429584"/>
+            <a:ext cx="10102242" cy="1179117"/>
+          </a:xfrm>
+        </p:spPr>
+        <p:txBody>
+          <a:bodyPr vert="horz" lIns="91440" tIns="45720" rIns="91440" bIns="45720" rtlCol="0" anchor="ctr">
+            <a:noAutofit/>
+          </a:bodyPr>
+          <a:lstStyle/>
+          <a:p>
+            <a:pPr marL="0" indent="0">
+              <a:buNone/>
+            </a:pPr>
+            <a:r>
+              <a:rPr lang="en-US" sz="1800" dirty="0">
+                <a:solidFill>
+                  <a:srgbClr val="FFFFFF"/>
+                </a:solidFill>
+              </a:rPr>
+              <a:t>`</a:t>
+            </a:r>
+            <a:r>
+              <a:rPr lang="en-US" sz="1800" dirty="0"/>
+              <a:t>The summary shows </a:t>
+            </a:r>
+          </a:p>
+          <a:p>
+            <a:pPr indent="-228600">
+              <a:buFont typeface="Arial" panose="020B0604020202020204" pitchFamily="34" charset="0"/>
+              <a:buChar char="•"/>
+            </a:pPr>
+            <a:r>
+              <a:rPr lang="en-US" sz="1800" dirty="0"/>
+              <a:t> the minimum, the median, mean, and maximum of alcohol by volume (ABV). In percentage they represent 1%, 5.6% , 5.9% and 12.8% by volume respectively. </a:t>
+            </a:r>
+          </a:p>
+        </p:txBody>
+      </p:sp>
+    </p:spTree>
+    <p:extLst>
+      <p:ext uri="{BB962C8B-B14F-4D97-AF65-F5344CB8AC3E}">
+        <p14:creationId xmlns:p14="http://schemas.microsoft.com/office/powerpoint/2010/main" val="153092602"/>
+      </p:ext>
+    </p:extLst>
+  </p:cSld>
+  <p:clrMapOvr>
+    <a:masterClrMapping/>
+  </p:clrMapOvr>
+</p:sld>
+</file>
+
+<file path=ppt/slides/slide11.xml><?xml version="1.0" encoding="utf-8"?>
+<p:sld xmlns:a="http://schemas.openxmlformats.org/drawingml/2006/main" xmlns:r="http://schemas.openxmlformats.org/officeDocument/2006/relationships" xmlns:p="http://schemas.openxmlformats.org/presentationml/2006/main">
+  <p:cSld>
+    <p:bg>
+      <p:bgPr>
+        <a:solidFill>
+          <a:schemeClr val="bg1"/>
+        </a:solidFill>
+        <a:effectLst/>
+      </p:bgPr>
+    </p:bg>
+    <p:spTree>
+      <p:nvGrpSpPr>
+        <p:cNvPr id="1" name=""/>
+        <p:cNvGrpSpPr/>
+        <p:nvPr/>
+      </p:nvGrpSpPr>
+      <p:grpSpPr>
+        <a:xfrm>
+          <a:off x="0" y="0"/>
+          <a:ext cx="0" cy="0"/>
+          <a:chOff x="0" y="0"/>
+          <a:chExt cx="0" cy="0"/>
+        </a:xfrm>
+      </p:grpSpPr>
       <p:sp>
         <p:nvSpPr>
           <p:cNvPr id="4" name="Title 3">
@@ -6483,72 +6445,6 @@
               </a:rPr>
               <a:t>Linear relation between ABV and IBU</a:t>
             </a:r>
-          </a:p>
-        </p:txBody>
-      </p:sp>
-      <p:sp>
-        <p:nvSpPr>
-          <p:cNvPr id="6" name="Text Placeholder 5">
-            <a:extLst>
-              <a:ext uri="{FF2B5EF4-FFF2-40B4-BE49-F238E27FC236}">
-                <a16:creationId xmlns:a16="http://schemas.microsoft.com/office/drawing/2014/main" id="{89115D18-66B3-45B5-8607-996501A070F7}"/>
-              </a:ext>
-            </a:extLst>
-          </p:cNvPr>
-          <p:cNvSpPr>
-            <a:spLocks noGrp="1"/>
-          </p:cNvSpPr>
-          <p:nvPr>
-            <p:ph type="body" sz="half" idx="2"/>
-          </p:nvPr>
-        </p:nvSpPr>
-        <p:spPr>
-          <a:xfrm>
-            <a:off x="966951" y="3355130"/>
-            <a:ext cx="2669407" cy="3054379"/>
-          </a:xfrm>
-        </p:spPr>
-        <p:txBody>
-          <a:bodyPr vert="horz" lIns="91440" tIns="45720" rIns="91440" bIns="45720" rtlCol="0">
-            <a:normAutofit/>
-          </a:bodyPr>
-          <a:lstStyle/>
-          <a:p>
-            <a:pPr marL="285750" lvl="0" indent="-228600">
-              <a:buFont typeface="Arial" panose="020B0604020202020204" pitchFamily="34" charset="0"/>
-              <a:buChar char="•"/>
-            </a:pPr>
-            <a:r>
-              <a:rPr lang="en-US" sz="2000" dirty="0"/>
-              <a:t>Pearson’s Correlation coefficient is around 0.67 </a:t>
-            </a:r>
-          </a:p>
-          <a:p>
-            <a:pPr marL="285750" lvl="0" indent="-228600">
-              <a:buFont typeface="Arial" panose="020B0604020202020204" pitchFamily="34" charset="0"/>
-              <a:buChar char="•"/>
-            </a:pPr>
-            <a:r>
-              <a:rPr lang="en-US" sz="2000" dirty="0"/>
-              <a:t>Significant correlation (p &lt; 0.0001)</a:t>
-            </a:r>
-          </a:p>
-          <a:p>
-            <a:pPr marL="285750" lvl="0" indent="-228600">
-              <a:buFont typeface="Arial" panose="020B0604020202020204" pitchFamily="34" charset="0"/>
-              <a:buChar char="•"/>
-            </a:pPr>
-            <a:r>
-              <a:rPr lang="en-US" sz="2000" dirty="0"/>
-              <a:t>Clustered around IBU less than 50 and ABV around 5%</a:t>
-            </a:r>
-          </a:p>
-          <a:p>
-            <a:pPr indent="-228600">
-              <a:buFont typeface="Arial" panose="020B0604020202020204" pitchFamily="34" charset="0"/>
-              <a:buChar char="•"/>
-            </a:pPr>
-            <a:endParaRPr lang="en-US" dirty="0"/>
           </a:p>
         </p:txBody>
       </p:sp>
@@ -6590,6 +6486,72 @@
           </a:prstGeom>
         </p:spPr>
       </p:pic>
+      <p:sp>
+        <p:nvSpPr>
+          <p:cNvPr id="6" name="Text Placeholder 5">
+            <a:extLst>
+              <a:ext uri="{FF2B5EF4-FFF2-40B4-BE49-F238E27FC236}">
+                <a16:creationId xmlns:a16="http://schemas.microsoft.com/office/drawing/2014/main" id="{89115D18-66B3-45B5-8607-996501A070F7}"/>
+              </a:ext>
+            </a:extLst>
+          </p:cNvPr>
+          <p:cNvSpPr>
+            <a:spLocks noGrp="1"/>
+          </p:cNvSpPr>
+          <p:nvPr>
+            <p:ph type="body" sz="half" idx="2"/>
+          </p:nvPr>
+        </p:nvSpPr>
+        <p:spPr>
+          <a:xfrm>
+            <a:off x="966951" y="3355130"/>
+            <a:ext cx="2669407" cy="3054379"/>
+          </a:xfrm>
+        </p:spPr>
+        <p:txBody>
+          <a:bodyPr vert="horz" lIns="91440" tIns="45720" rIns="91440" bIns="45720" rtlCol="0">
+            <a:normAutofit/>
+          </a:bodyPr>
+          <a:lstStyle/>
+          <a:p>
+            <a:pPr marL="285750" lvl="0" indent="-228600">
+              <a:buFont typeface="Arial" panose="020B0604020202020204" pitchFamily="34" charset="0"/>
+              <a:buChar char="•"/>
+            </a:pPr>
+            <a:r>
+              <a:rPr lang="en-US" sz="2000" dirty="0"/>
+              <a:t>Pearson’s Correlation coefficient is around 0.67 </a:t>
+            </a:r>
+          </a:p>
+          <a:p>
+            <a:pPr marL="285750" lvl="0" indent="-228600">
+              <a:buFont typeface="Arial" panose="020B0604020202020204" pitchFamily="34" charset="0"/>
+              <a:buChar char="•"/>
+            </a:pPr>
+            <a:r>
+              <a:rPr lang="en-US" sz="2000" dirty="0"/>
+              <a:t>Significant correlation (p &lt; 0.0001)</a:t>
+            </a:r>
+          </a:p>
+          <a:p>
+            <a:pPr marL="285750" lvl="0" indent="-228600">
+              <a:buFont typeface="Arial" panose="020B0604020202020204" pitchFamily="34" charset="0"/>
+              <a:buChar char="•"/>
+            </a:pPr>
+            <a:r>
+              <a:rPr lang="en-US" sz="2000" dirty="0"/>
+              <a:t>Clustered around IBU less than 50 and ABV around 5%</a:t>
+            </a:r>
+          </a:p>
+          <a:p>
+            <a:pPr indent="-228600">
+              <a:buFont typeface="Arial" panose="020B0604020202020204" pitchFamily="34" charset="0"/>
+              <a:buChar char="•"/>
+            </a:pPr>
+            <a:endParaRPr lang="en-US" dirty="0"/>
+          </a:p>
+        </p:txBody>
+      </p:sp>
     </p:spTree>
     <p:extLst>
       <p:ext uri="{BB962C8B-B14F-4D97-AF65-F5344CB8AC3E}">
@@ -6603,7 +6565,7 @@
 </p:sld>
 </file>
 
-<file path=ppt/slides/slide11.xml><?xml version="1.0" encoding="utf-8"?>
+<file path=ppt/slides/slide12.xml><?xml version="1.0" encoding="utf-8"?>
 <p:sld xmlns:a="http://schemas.openxmlformats.org/drawingml/2006/main" xmlns:r="http://schemas.openxmlformats.org/officeDocument/2006/relationships" xmlns:p="http://schemas.openxmlformats.org/presentationml/2006/main">
   <p:cSld>
     <p:spTree>
@@ -6901,7 +6863,7 @@
         <p:spPr>
           <a:xfrm>
             <a:off x="292548" y="147936"/>
-            <a:ext cx="10908852" cy="1354217"/>
+            <a:ext cx="10908852" cy="923330"/>
           </a:xfrm>
           <a:prstGeom prst="rect">
             <a:avLst/>
@@ -6932,27 +6894,6 @@
                 </a:effectLst>
               </a:rPr>
               <a:t>K n A Marketing Consultants, NY</a:t>
-            </a:r>
-          </a:p>
-          <a:p>
-            <a:pPr algn="ctr"/>
-            <a:r>
-              <a:rPr lang="en-US" sz="2800" b="0" cap="none" spc="0" dirty="0">
-                <a:ln w="0"/>
-                <a:solidFill>
-                  <a:schemeClr val="accent1">
-                    <a:lumMod val="75000"/>
-                  </a:schemeClr>
-                </a:solidFill>
-                <a:effectLst>
-                  <a:outerShdw blurRad="38100" dist="19050" dir="2700000" algn="tl" rotWithShape="0">
-                    <a:schemeClr val="dk1">
-                      <a:alpha val="40000"/>
-                    </a:schemeClr>
-                  </a:outerShdw>
-                </a:effectLst>
-              </a:rPr>
-              <a:t>Our expertise</a:t>
             </a:r>
           </a:p>
         </p:txBody>
@@ -6975,57 +6916,50 @@
         </p:nvSpPr>
         <p:spPr>
           <a:xfrm>
-            <a:off x="914400" y="2286000"/>
-            <a:ext cx="10363200" cy="4158343"/>
+            <a:off x="914400" y="1540934"/>
+            <a:ext cx="10363200" cy="4903410"/>
           </a:xfrm>
         </p:spPr>
         <p:txBody>
           <a:bodyPr>
-            <a:normAutofit fontScale="92500"/>
+            <a:normAutofit/>
           </a:bodyPr>
           <a:lstStyle/>
           <a:p>
             <a:r>
-              <a:rPr lang="en-US" sz="3600" dirty="0"/>
-              <a:t>Predominantly Marketing consultants</a:t>
+              <a:rPr lang="en-US" sz="3200" dirty="0"/>
+              <a:t>Our Expertise: </a:t>
             </a:r>
           </a:p>
           <a:p>
             <a:r>
-              <a:rPr lang="en-US" sz="3600" dirty="0"/>
-              <a:t>Study and apply Data analytics (Data Science)</a:t>
+              <a:rPr lang="en-US" sz="3200" dirty="0"/>
+              <a:t>Study and apply data analytics </a:t>
             </a:r>
           </a:p>
           <a:p>
             <a:r>
-              <a:rPr lang="en-US" sz="3600" dirty="0"/>
+              <a:rPr lang="en-US" sz="3200" dirty="0"/>
               <a:t>Recommend marketing solutions based on the outcome</a:t>
             </a:r>
           </a:p>
           <a:p>
             <a:r>
-              <a:rPr lang="en-US" sz="3600" dirty="0"/>
-              <a:t>Go to market strategies as well as monitoring competition</a:t>
+              <a:rPr lang="en-US" sz="3200" dirty="0"/>
+              <a:t>Go-to-market strategies as well as competition monitoring </a:t>
             </a:r>
           </a:p>
           <a:p>
             <a:r>
-              <a:rPr lang="en-US" sz="3600" dirty="0"/>
-              <a:t>Consumption Analytics – Pricing and promotions</a:t>
+              <a:rPr lang="en-US" sz="3200" dirty="0"/>
+              <a:t>Consumption analytics – pricing and promotions </a:t>
             </a:r>
           </a:p>
           <a:p>
             <a:r>
-              <a:rPr lang="en-US" sz="3600" dirty="0"/>
+              <a:rPr lang="en-US" sz="3200" dirty="0"/>
               <a:t>Sales growth</a:t>
             </a:r>
-            <a:endParaRPr lang="en-US" dirty="0"/>
-          </a:p>
-          <a:p>
-            <a:pPr marL="0" indent="0">
-              <a:buNone/>
-            </a:pPr>
-            <a:endParaRPr lang="en-US" dirty="0"/>
           </a:p>
         </p:txBody>
       </p:sp>
@@ -7154,6 +7088,92 @@
           </a:p>
         </p:txBody>
       </p:sp>
+      <p:sp>
+        <p:nvSpPr>
+          <p:cNvPr id="3" name="Content Placeholder 2">
+            <a:extLst>
+              <a:ext uri="{FF2B5EF4-FFF2-40B4-BE49-F238E27FC236}">
+                <a16:creationId xmlns:a16="http://schemas.microsoft.com/office/drawing/2014/main" id="{F3308327-1C86-4F68-A308-299F1B08BBB8}"/>
+              </a:ext>
+            </a:extLst>
+          </p:cNvPr>
+          <p:cNvSpPr>
+            <a:spLocks noGrp="1"/>
+          </p:cNvSpPr>
+          <p:nvPr>
+            <p:ph idx="1"/>
+          </p:nvPr>
+        </p:nvSpPr>
+        <p:spPr/>
+        <p:txBody>
+          <a:bodyPr>
+            <a:normAutofit/>
+          </a:bodyPr>
+          <a:lstStyle/>
+          <a:p>
+            <a:pPr marL="0" indent="0">
+              <a:buNone/>
+            </a:pPr>
+            <a:endParaRPr lang="en-US" sz="2400" dirty="0"/>
+          </a:p>
+          <a:p>
+            <a:r>
+              <a:rPr lang="en-US" sz="2400" dirty="0"/>
+              <a:t>  Established for 165 years with American values</a:t>
+            </a:r>
+          </a:p>
+          <a:p>
+            <a:r>
+              <a:rPr lang="en-US" sz="2400" dirty="0"/>
+              <a:t>  Head quartered in St Louis MO.</a:t>
+            </a:r>
+          </a:p>
+          <a:p>
+            <a:r>
+              <a:rPr lang="en-US" sz="2400" dirty="0"/>
+              <a:t>  One of the top brewers in US</a:t>
+            </a:r>
+          </a:p>
+          <a:p>
+            <a:r>
+              <a:rPr lang="en-US" sz="2400" dirty="0"/>
+              <a:t>  Brews more than 100 brands.</a:t>
+            </a:r>
+          </a:p>
+          <a:p>
+            <a:r>
+              <a:rPr lang="en-US" sz="2400" dirty="0"/>
+              <a:t>  Flag ship – “Budweiser” and “</a:t>
+            </a:r>
+            <a:r>
+              <a:rPr lang="en-US" sz="2400" dirty="0" err="1"/>
+              <a:t>BudLight</a:t>
+            </a:r>
+            <a:r>
+              <a:rPr lang="en-US" sz="2400" dirty="0"/>
+              <a:t>” brands.</a:t>
+            </a:r>
+          </a:p>
+          <a:p>
+            <a:r>
+              <a:rPr lang="en-US" sz="2400" dirty="0"/>
+              <a:t>  Owns 23 breweries.</a:t>
+            </a:r>
+          </a:p>
+          <a:p>
+            <a:r>
+              <a:rPr lang="en-US" sz="2400" dirty="0"/>
+              <a:t>  Has several craft partners, agricultural facilities and can lid plants.</a:t>
+            </a:r>
+          </a:p>
+          <a:p>
+            <a:r>
+              <a:rPr lang="en-US" sz="2400" dirty="0"/>
+              <a:t>  14 Billion in revenue per year.                           - Anheuser Busch company website.</a:t>
+            </a:r>
+          </a:p>
+        </p:txBody>
+      </p:sp>
       <p:pic>
         <p:nvPicPr>
           <p:cNvPr id="4" name="Picture 3">
@@ -7190,97 +7210,6 @@
           </a:prstGeom>
         </p:spPr>
       </p:pic>
-      <p:sp>
-        <p:nvSpPr>
-          <p:cNvPr id="3" name="Content Placeholder 2">
-            <a:extLst>
-              <a:ext uri="{FF2B5EF4-FFF2-40B4-BE49-F238E27FC236}">
-                <a16:creationId xmlns:a16="http://schemas.microsoft.com/office/drawing/2014/main" id="{F3308327-1C86-4F68-A308-299F1B08BBB8}"/>
-              </a:ext>
-            </a:extLst>
-          </p:cNvPr>
-          <p:cNvSpPr>
-            <a:spLocks noGrp="1"/>
-          </p:cNvSpPr>
-          <p:nvPr>
-            <p:ph idx="1"/>
-          </p:nvPr>
-        </p:nvSpPr>
-        <p:spPr>
-          <a:xfrm>
-            <a:off x="838200" y="1825625"/>
-            <a:ext cx="10515600" cy="4351338"/>
-          </a:xfrm>
-        </p:spPr>
-        <p:txBody>
-          <a:bodyPr>
-            <a:normAutofit/>
-          </a:bodyPr>
-          <a:lstStyle/>
-          <a:p>
-            <a:pPr marL="0" indent="0">
-              <a:buNone/>
-            </a:pPr>
-            <a:endParaRPr lang="en-US" sz="2400"/>
-          </a:p>
-          <a:p>
-            <a:r>
-              <a:rPr lang="en-US" sz="2400"/>
-              <a:t>  Established for 165 years with American values</a:t>
-            </a:r>
-          </a:p>
-          <a:p>
-            <a:r>
-              <a:rPr lang="en-US" sz="2400"/>
-              <a:t>  Head quartered in St Louis MO.</a:t>
-            </a:r>
-          </a:p>
-          <a:p>
-            <a:r>
-              <a:rPr lang="en-US" sz="2400"/>
-              <a:t>  One of the top brewers in US</a:t>
-            </a:r>
-          </a:p>
-          <a:p>
-            <a:r>
-              <a:rPr lang="en-US" sz="2400"/>
-              <a:t>  Brews more than 100 brands.</a:t>
-            </a:r>
-          </a:p>
-          <a:p>
-            <a:r>
-              <a:rPr lang="en-US" sz="2400"/>
-              <a:t>  Flag ship – “Budweiser” and “</a:t>
-            </a:r>
-            <a:r>
-              <a:rPr lang="en-US" sz="2400" err="1"/>
-              <a:t>BudLight</a:t>
-            </a:r>
-            <a:r>
-              <a:rPr lang="en-US" sz="2400"/>
-              <a:t>” brands.</a:t>
-            </a:r>
-          </a:p>
-          <a:p>
-            <a:r>
-              <a:rPr lang="en-US" sz="2400"/>
-              <a:t>  Owns 23 breweries.</a:t>
-            </a:r>
-          </a:p>
-          <a:p>
-            <a:r>
-              <a:rPr lang="en-US" sz="2400"/>
-              <a:t>  Has several craft partners, agricultural facilities and can lid plants.</a:t>
-            </a:r>
-          </a:p>
-          <a:p>
-            <a:r>
-              <a:rPr lang="en-US" sz="2400"/>
-              <a:t>  14 Billion in revenue per year.                           - Anheuser Busch company website.</a:t>
-            </a:r>
-          </a:p>
-        </p:txBody>
-      </p:sp>
     </p:spTree>
     <p:extLst>
       <p:ext uri="{BB962C8B-B14F-4D97-AF65-F5344CB8AC3E}">
@@ -7321,100 +7250,6 @@
       </p:grpSpPr>
       <p:sp>
         <p:nvSpPr>
-          <p:cNvPr id="10" name="Rectangle 9">
-            <a:extLst>
-              <a:ext uri="{FF2B5EF4-FFF2-40B4-BE49-F238E27FC236}">
-                <a16:creationId xmlns:a16="http://schemas.microsoft.com/office/drawing/2014/main" id="{823AC064-BC96-4F32-8AE1-B2FD38754823}"/>
-              </a:ext>
-              <a:ext uri="{C183D7F6-B498-43B3-948B-1728B52AA6E4}">
-                <adec:decorative xmlns:adec="http://schemas.microsoft.com/office/drawing/2017/decorative" val="1"/>
-              </a:ext>
-            </a:extLst>
-          </p:cNvPr>
-          <p:cNvSpPr>
-            <a:spLocks noGrp="1" noRot="1" noChangeAspect="1" noMove="1" noResize="1" noEditPoints="1" noAdjustHandles="1" noChangeArrowheads="1" noChangeShapeType="1" noTextEdit="1"/>
-          </p:cNvSpPr>
-          <p:nvPr>
-            <p:extLst>
-              <p:ext uri="{386F3935-93C4-4BCD-93E2-E3B085C9AB24}">
-                <p16:designElem xmlns:p16="http://schemas.microsoft.com/office/powerpoint/2015/main" val="1"/>
-              </p:ext>
-            </p:extLst>
-          </p:nvPr>
-        </p:nvSpPr>
-        <p:spPr bwMode="ltGray">
-          <a:xfrm>
-            <a:off x="378068" y="4633546"/>
-            <a:ext cx="11438793" cy="1844256"/>
-          </a:xfrm>
-          <a:prstGeom prst="rect">
-            <a:avLst/>
-          </a:prstGeom>
-          <a:solidFill>
-            <a:srgbClr val="404040"/>
-          </a:solidFill>
-          <a:ln w="127000" cap="sq" cmpd="thinThick">
-            <a:solidFill>
-              <a:srgbClr val="404040"/>
-            </a:solidFill>
-          </a:ln>
-        </p:spPr>
-        <p:style>
-          <a:lnRef idx="2">
-            <a:schemeClr val="accent1">
-              <a:shade val="50000"/>
-            </a:schemeClr>
-          </a:lnRef>
-          <a:fillRef idx="1">
-            <a:schemeClr val="accent1"/>
-          </a:fillRef>
-          <a:effectRef idx="0">
-            <a:schemeClr val="accent1"/>
-          </a:effectRef>
-          <a:fontRef idx="minor">
-            <a:schemeClr val="lt1"/>
-          </a:fontRef>
-        </p:style>
-        <p:txBody>
-          <a:bodyPr rtlCol="0" anchor="ctr"/>
-          <a:lstStyle/>
-          <a:p>
-            <a:pPr marL="0" marR="0" lvl="0" indent="0" algn="ctr" defTabSz="914400" rtl="0" eaLnBrk="1" fontAlgn="auto" latinLnBrk="0" hangingPunct="1">
-              <a:lnSpc>
-                <a:spcPct val="100000"/>
-              </a:lnSpc>
-              <a:spcBef>
-                <a:spcPts val="0"/>
-              </a:spcBef>
-              <a:spcAft>
-                <a:spcPts val="0"/>
-              </a:spcAft>
-              <a:buClrTx/>
-              <a:buSzTx/>
-              <a:buFontTx/>
-              <a:buNone/>
-              <a:tabLst/>
-              <a:defRPr/>
-            </a:pPr>
-            <a:endParaRPr kumimoji="0" lang="en-US" sz="1800" b="0" i="0" u="none" strike="noStrike" kern="1200" cap="none" spc="0" normalizeH="0" baseline="0" noProof="0">
-              <a:ln>
-                <a:noFill/>
-              </a:ln>
-              <a:solidFill>
-                <a:prstClr val="white"/>
-              </a:solidFill>
-              <a:effectLst/>
-              <a:uLnTx/>
-              <a:uFillTx/>
-              <a:latin typeface="Calibri" panose="020F0502020204030204"/>
-              <a:ea typeface="+mn-ea"/>
-              <a:cs typeface="+mn-cs"/>
-            </a:endParaRPr>
-          </a:p>
-        </p:txBody>
-      </p:sp>
-      <p:sp>
-        <p:nvSpPr>
           <p:cNvPr id="2" name="Title 1">
             <a:extLst>
               <a:ext uri="{FF2B5EF4-FFF2-40B4-BE49-F238E27FC236}">
@@ -7483,101 +7318,6 @@
           </a:p>
         </p:txBody>
       </p:sp>
-      <p:sp>
-        <p:nvSpPr>
-          <p:cNvPr id="4" name="Text Placeholder 3">
-            <a:extLst>
-              <a:ext uri="{FF2B5EF4-FFF2-40B4-BE49-F238E27FC236}">
-                <a16:creationId xmlns:a16="http://schemas.microsoft.com/office/drawing/2014/main" id="{1D4958D8-6956-48F9-93F2-AC44C101046B}"/>
-              </a:ext>
-            </a:extLst>
-          </p:cNvPr>
-          <p:cNvSpPr>
-            <a:spLocks noGrp="1"/>
-          </p:cNvSpPr>
-          <p:nvPr>
-            <p:ph type="body" sz="half" idx="2"/>
-          </p:nvPr>
-        </p:nvSpPr>
-        <p:spPr>
-          <a:xfrm>
-            <a:off x="1524000" y="5815698"/>
-            <a:ext cx="9144000" cy="420001"/>
-          </a:xfrm>
-        </p:spPr>
-        <p:txBody>
-          <a:bodyPr vert="horz" lIns="91440" tIns="45720" rIns="91440" bIns="45720" rtlCol="0">
-            <a:normAutofit/>
-          </a:bodyPr>
-          <a:lstStyle/>
-          <a:p>
-            <a:pPr algn="ctr"/>
-            <a:r>
-              <a:rPr lang="en-US" sz="2000" kern="1200">
-                <a:solidFill>
-                  <a:srgbClr val="E7E6E6"/>
-                </a:solidFill>
-                <a:latin typeface="+mn-lt"/>
-                <a:ea typeface="+mn-ea"/>
-                <a:cs typeface="+mn-cs"/>
-              </a:rPr>
-              <a:t>Number of breweries per state – ordered highest to lowest.</a:t>
-            </a:r>
-          </a:p>
-        </p:txBody>
-      </p:sp>
-      <p:cxnSp>
-        <p:nvCxnSpPr>
-          <p:cNvPr id="12" name="Straight Connector 11">
-            <a:extLst>
-              <a:ext uri="{FF2B5EF4-FFF2-40B4-BE49-F238E27FC236}">
-                <a16:creationId xmlns:a16="http://schemas.microsoft.com/office/drawing/2014/main" id="{7E7C77BC-7138-40B1-A15B-20F57A494629}"/>
-              </a:ext>
-              <a:ext uri="{C183D7F6-B498-43B3-948B-1728B52AA6E4}">
-                <adec:decorative xmlns:adec="http://schemas.microsoft.com/office/drawing/2017/decorative" val="1"/>
-              </a:ext>
-            </a:extLst>
-          </p:cNvPr>
-          <p:cNvCxnSpPr>
-            <a:cxnSpLocks noGrp="1" noRot="1" noChangeAspect="1" noMove="1" noResize="1" noEditPoints="1" noAdjustHandles="1" noChangeArrowheads="1" noChangeShapeType="1"/>
-          </p:cNvCxnSpPr>
-          <p:nvPr>
-            <p:extLst>
-              <p:ext uri="{386F3935-93C4-4BCD-93E2-E3B085C9AB24}">
-                <p16:designElem xmlns:p16="http://schemas.microsoft.com/office/powerpoint/2015/main" val="1"/>
-              </p:ext>
-            </p:extLst>
-          </p:nvPr>
-        </p:nvCxnSpPr>
-        <p:spPr>
-          <a:xfrm>
-            <a:off x="2209800" y="5738691"/>
-            <a:ext cx="7772400" cy="0"/>
-          </a:xfrm>
-          <a:prstGeom prst="line">
-            <a:avLst/>
-          </a:prstGeom>
-          <a:ln w="22225">
-            <a:solidFill>
-              <a:srgbClr val="D9D9D9"/>
-            </a:solidFill>
-          </a:ln>
-        </p:spPr>
-        <p:style>
-          <a:lnRef idx="1">
-            <a:schemeClr val="accent1"/>
-          </a:lnRef>
-          <a:fillRef idx="0">
-            <a:schemeClr val="accent1"/>
-          </a:fillRef>
-          <a:effectRef idx="0">
-            <a:schemeClr val="accent1"/>
-          </a:effectRef>
-          <a:fontRef idx="minor">
-            <a:schemeClr val="tx1"/>
-          </a:fontRef>
-        </p:style>
-      </p:cxnSp>
       <p:graphicFrame>
         <p:nvGraphicFramePr>
           <p:cNvPr id="5" name="Chart 4">
@@ -7608,6 +7348,41 @@
           </a:graphicData>
         </a:graphic>
       </p:graphicFrame>
+      <p:sp>
+        <p:nvSpPr>
+          <p:cNvPr id="7" name="TextBox 6">
+            <a:extLst>
+              <a:ext uri="{FF2B5EF4-FFF2-40B4-BE49-F238E27FC236}">
+                <a16:creationId xmlns:a16="http://schemas.microsoft.com/office/drawing/2014/main" id="{DC623893-5997-4BF4-BE22-A8643DBAC151}"/>
+              </a:ext>
+            </a:extLst>
+          </p:cNvPr>
+          <p:cNvSpPr txBox="1"/>
+          <p:nvPr/>
+        </p:nvSpPr>
+        <p:spPr>
+          <a:xfrm>
+            <a:off x="2921000" y="5687085"/>
+            <a:ext cx="5985933" cy="646331"/>
+          </a:xfrm>
+          <a:prstGeom prst="rect">
+            <a:avLst/>
+          </a:prstGeom>
+          <a:noFill/>
+        </p:spPr>
+        <p:txBody>
+          <a:bodyPr wrap="square" rtlCol="0">
+            <a:spAutoFit/>
+          </a:bodyPr>
+          <a:lstStyle/>
+          <a:p>
+            <a:r>
+              <a:rPr lang="en-US" dirty="0"/>
+              <a:t>Values order from higher to lower. Colorado shows Maximum while West Virginia the minimum.</a:t>
+            </a:r>
+          </a:p>
+        </p:txBody>
+      </p:sp>
     </p:spTree>
     <p:extLst>
       <p:ext uri="{BB962C8B-B14F-4D97-AF65-F5344CB8AC3E}">
@@ -7622,6 +7397,2439 @@
 </file>
 
 <file path=ppt/slides/slide5.xml><?xml version="1.0" encoding="utf-8"?>
+<p:sld xmlns:a="http://schemas.openxmlformats.org/drawingml/2006/main" xmlns:r="http://schemas.openxmlformats.org/officeDocument/2006/relationships" xmlns:p="http://schemas.openxmlformats.org/presentationml/2006/main">
+  <p:cSld>
+    <p:bg>
+      <p:bgPr>
+        <a:solidFill>
+          <a:srgbClr val="FFFFFF"/>
+        </a:solidFill>
+        <a:effectLst/>
+      </p:bgPr>
+    </p:bg>
+    <p:spTree>
+      <p:nvGrpSpPr>
+        <p:cNvPr id="1" name=""/>
+        <p:cNvGrpSpPr/>
+        <p:nvPr/>
+      </p:nvGrpSpPr>
+      <p:grpSpPr>
+        <a:xfrm>
+          <a:off x="0" y="0"/>
+          <a:ext cx="0" cy="0"/>
+          <a:chOff x="0" y="0"/>
+          <a:chExt cx="0" cy="0"/>
+        </a:xfrm>
+      </p:grpSpPr>
+      <p:sp>
+        <p:nvSpPr>
+          <p:cNvPr id="12" name="Rectangle 11">
+            <a:extLst>
+              <a:ext uri="{FF2B5EF4-FFF2-40B4-BE49-F238E27FC236}">
+                <a16:creationId xmlns:a16="http://schemas.microsoft.com/office/drawing/2014/main" id="{72257994-BD97-4691-8B89-198A6D2BABDC}"/>
+              </a:ext>
+              <a:ext uri="{C183D7F6-B498-43B3-948B-1728B52AA6E4}">
+                <adec:decorative xmlns:adec="http://schemas.microsoft.com/office/drawing/2017/decorative" val="1"/>
+              </a:ext>
+            </a:extLst>
+          </p:cNvPr>
+          <p:cNvSpPr>
+            <a:spLocks noGrp="1" noRot="1" noChangeAspect="1" noMove="1" noResize="1" noEditPoints="1" noAdjustHandles="1" noChangeArrowheads="1" noChangeShapeType="1" noTextEdit="1"/>
+          </p:cNvSpPr>
+          <p:nvPr>
+            <p:extLst>
+              <p:ext uri="{386F3935-93C4-4BCD-93E2-E3B085C9AB24}">
+                <p16:designElem xmlns:p16="http://schemas.microsoft.com/office/powerpoint/2015/main" val="1"/>
+              </p:ext>
+            </p:extLst>
+          </p:nvPr>
+        </p:nvSpPr>
+        <p:spPr>
+          <a:xfrm>
+            <a:off x="0" y="4918509"/>
+            <a:ext cx="12192000" cy="1939491"/>
+          </a:xfrm>
+          <a:prstGeom prst="rect">
+            <a:avLst/>
+          </a:prstGeom>
+          <a:solidFill>
+            <a:srgbClr val="404040"/>
+          </a:solidFill>
+          <a:ln>
+            <a:noFill/>
+          </a:ln>
+        </p:spPr>
+        <p:style>
+          <a:lnRef idx="2">
+            <a:schemeClr val="accent1">
+              <a:shade val="50000"/>
+            </a:schemeClr>
+          </a:lnRef>
+          <a:fillRef idx="1">
+            <a:schemeClr val="accent1"/>
+          </a:fillRef>
+          <a:effectRef idx="0">
+            <a:schemeClr val="accent1"/>
+          </a:effectRef>
+          <a:fontRef idx="minor">
+            <a:schemeClr val="lt1"/>
+          </a:fontRef>
+        </p:style>
+        <p:txBody>
+          <a:bodyPr rtlCol="0" anchor="ctr"/>
+          <a:lstStyle/>
+          <a:p>
+            <a:pPr algn="ctr"/>
+            <a:endParaRPr lang="en-US"/>
+          </a:p>
+        </p:txBody>
+      </p:sp>
+      <p:sp>
+        <p:nvSpPr>
+          <p:cNvPr id="7" name="Title 6">
+            <a:extLst>
+              <a:ext uri="{FF2B5EF4-FFF2-40B4-BE49-F238E27FC236}">
+                <a16:creationId xmlns:a16="http://schemas.microsoft.com/office/drawing/2014/main" id="{A586DB5B-D9E7-40EC-97F3-F7ECCC2D91ED}"/>
+              </a:ext>
+            </a:extLst>
+          </p:cNvPr>
+          <p:cNvSpPr>
+            <a:spLocks noGrp="1"/>
+          </p:cNvSpPr>
+          <p:nvPr>
+            <p:ph type="title"/>
+          </p:nvPr>
+        </p:nvSpPr>
+        <p:spPr>
+          <a:xfrm>
+            <a:off x="1600200" y="4269282"/>
+            <a:ext cx="8991600" cy="1264762"/>
+          </a:xfrm>
+          <a:solidFill>
+            <a:srgbClr val="FFFFFF"/>
+          </a:solidFill>
+          <a:ln w="38100">
+            <a:solidFill>
+              <a:srgbClr val="404040"/>
+            </a:solidFill>
+            <a:miter lim="800000"/>
+          </a:ln>
+        </p:spPr>
+        <p:txBody>
+          <a:bodyPr vert="horz" lIns="91440" tIns="45720" rIns="91440" bIns="45720" rtlCol="0" anchor="ctr">
+            <a:normAutofit/>
+          </a:bodyPr>
+          <a:lstStyle/>
+          <a:p>
+            <a:pPr algn="ctr"/>
+            <a:r>
+              <a:rPr lang="en-US" sz="4000" b="1" kern="1200" dirty="0">
+                <a:solidFill>
+                  <a:schemeClr val="accent5">
+                    <a:lumMod val="75000"/>
+                  </a:schemeClr>
+                </a:solidFill>
+                <a:latin typeface="+mj-lt"/>
+                <a:ea typeface="+mj-ea"/>
+                <a:cs typeface="+mj-cs"/>
+              </a:rPr>
+              <a:t>Beers and Breweries - Merged Data</a:t>
+            </a:r>
+          </a:p>
+        </p:txBody>
+      </p:sp>
+      <p:graphicFrame>
+        <p:nvGraphicFramePr>
+          <p:cNvPr id="5" name="Table 4">
+            <a:extLst>
+              <a:ext uri="{FF2B5EF4-FFF2-40B4-BE49-F238E27FC236}">
+                <a16:creationId xmlns:a16="http://schemas.microsoft.com/office/drawing/2014/main" id="{766121A3-C836-4E15-BA50-DF72842D5DE5}"/>
+              </a:ext>
+            </a:extLst>
+          </p:cNvPr>
+          <p:cNvGraphicFramePr>
+            <a:graphicFrameLocks noGrp="1"/>
+          </p:cNvGraphicFramePr>
+          <p:nvPr>
+            <p:extLst>
+              <p:ext uri="{D42A27DB-BD31-4B8C-83A1-F6EECF244321}">
+                <p14:modId xmlns:p14="http://schemas.microsoft.com/office/powerpoint/2010/main" val="1076838537"/>
+              </p:ext>
+            </p:extLst>
+          </p:nvPr>
+        </p:nvGraphicFramePr>
+        <p:xfrm>
+          <a:off x="1215874" y="468977"/>
+          <a:ext cx="9784978" cy="3539070"/>
+        </p:xfrm>
+        <a:graphic>
+          <a:graphicData uri="http://schemas.openxmlformats.org/drawingml/2006/table">
+            <a:tbl>
+              <a:tblPr firstRow="1" bandRow="1">
+                <a:noFill/>
+              </a:tblPr>
+              <a:tblGrid>
+                <a:gridCol w="1865622">
+                  <a:extLst>
+                    <a:ext uri="{9D8B030D-6E8A-4147-A177-3AD203B41FA5}">
+                      <a16:colId xmlns:a16="http://schemas.microsoft.com/office/drawing/2014/main" val="3102628794"/>
+                    </a:ext>
+                  </a:extLst>
+                </a:gridCol>
+                <a:gridCol w="1132545">
+                  <a:extLst>
+                    <a:ext uri="{9D8B030D-6E8A-4147-A177-3AD203B41FA5}">
+                      <a16:colId xmlns:a16="http://schemas.microsoft.com/office/drawing/2014/main" val="2172997580"/>
+                    </a:ext>
+                  </a:extLst>
+                </a:gridCol>
+                <a:gridCol w="911397">
+                  <a:extLst>
+                    <a:ext uri="{9D8B030D-6E8A-4147-A177-3AD203B41FA5}">
+                      <a16:colId xmlns:a16="http://schemas.microsoft.com/office/drawing/2014/main" val="316073917"/>
+                    </a:ext>
+                  </a:extLst>
+                </a:gridCol>
+                <a:gridCol w="1477108">
+                  <a:extLst>
+                    <a:ext uri="{9D8B030D-6E8A-4147-A177-3AD203B41FA5}">
+                      <a16:colId xmlns:a16="http://schemas.microsoft.com/office/drawing/2014/main" val="3004421383"/>
+                    </a:ext>
+                  </a:extLst>
+                </a:gridCol>
+                <a:gridCol w="829232">
+                  <a:extLst>
+                    <a:ext uri="{9D8B030D-6E8A-4147-A177-3AD203B41FA5}">
+                      <a16:colId xmlns:a16="http://schemas.microsoft.com/office/drawing/2014/main" val="4092525538"/>
+                    </a:ext>
+                  </a:extLst>
+                </a:gridCol>
+                <a:gridCol w="755382">
+                  <a:extLst>
+                    <a:ext uri="{9D8B030D-6E8A-4147-A177-3AD203B41FA5}">
+                      <a16:colId xmlns:a16="http://schemas.microsoft.com/office/drawing/2014/main" val="3559698818"/>
+                    </a:ext>
+                  </a:extLst>
+                </a:gridCol>
+                <a:gridCol w="1689059">
+                  <a:extLst>
+                    <a:ext uri="{9D8B030D-6E8A-4147-A177-3AD203B41FA5}">
+                      <a16:colId xmlns:a16="http://schemas.microsoft.com/office/drawing/2014/main" val="971521140"/>
+                    </a:ext>
+                  </a:extLst>
+                </a:gridCol>
+                <a:gridCol w="1124633">
+                  <a:extLst>
+                    <a:ext uri="{9D8B030D-6E8A-4147-A177-3AD203B41FA5}">
+                      <a16:colId xmlns:a16="http://schemas.microsoft.com/office/drawing/2014/main" val="3230068590"/>
+                    </a:ext>
+                  </a:extLst>
+                </a:gridCol>
+              </a:tblGrid>
+              <a:tr h="697694">
+                <a:tc>
+                  <a:txBody>
+                    <a:bodyPr/>
+                    <a:lstStyle/>
+                    <a:p>
+                      <a:r>
+                        <a:rPr lang="en-US" sz="1400" b="0" cap="all" spc="150" dirty="0" err="1">
+                          <a:solidFill>
+                            <a:schemeClr val="lt1"/>
+                          </a:solidFill>
+                          <a:effectLst/>
+                        </a:rPr>
+                        <a:t>Brewery_Name</a:t>
+                      </a:r>
+                      <a:r>
+                        <a:rPr lang="en-US" sz="1400" b="0" cap="all" spc="150" dirty="0">
+                          <a:solidFill>
+                            <a:schemeClr val="lt1"/>
+                          </a:solidFill>
+                          <a:effectLst/>
+                        </a:rPr>
+                        <a:t> </a:t>
+                      </a:r>
+                    </a:p>
+                  </a:txBody>
+                  <a:tcPr marL="119833" marR="119833" marT="119833" marB="119833" anchor="ctr">
+                    <a:lnL w="12700" cmpd="sng">
+                      <a:noFill/>
+                    </a:lnL>
+                    <a:lnR w="12700" cmpd="sng">
+                      <a:noFill/>
+                    </a:lnR>
+                    <a:lnT w="12700" cmpd="sng">
+                      <a:noFill/>
+                    </a:lnT>
+                    <a:lnB w="38100" cmpd="sng">
+                      <a:noFill/>
+                    </a:lnB>
+                    <a:solidFill>
+                      <a:srgbClr val="505356"/>
+                    </a:solidFill>
+                  </a:tcPr>
+                </a:tc>
+                <a:tc>
+                  <a:txBody>
+                    <a:bodyPr/>
+                    <a:lstStyle/>
+                    <a:p>
+                      <a:r>
+                        <a:rPr lang="en-US" sz="1400" b="0" cap="all" spc="150">
+                          <a:solidFill>
+                            <a:schemeClr val="lt1"/>
+                          </a:solidFill>
+                          <a:effectLst/>
+                        </a:rPr>
+                        <a:t>City </a:t>
+                      </a:r>
+                    </a:p>
+                  </a:txBody>
+                  <a:tcPr marL="119833" marR="119833" marT="119833" marB="119833" anchor="ctr">
+                    <a:lnL w="12700" cmpd="sng">
+                      <a:noFill/>
+                    </a:lnL>
+                    <a:lnR w="12700" cmpd="sng">
+                      <a:noFill/>
+                    </a:lnR>
+                    <a:lnT w="12700" cmpd="sng">
+                      <a:noFill/>
+                    </a:lnT>
+                    <a:lnB w="38100" cmpd="sng">
+                      <a:noFill/>
+                    </a:lnB>
+                    <a:solidFill>
+                      <a:srgbClr val="505356"/>
+                    </a:solidFill>
+                  </a:tcPr>
+                </a:tc>
+                <a:tc>
+                  <a:txBody>
+                    <a:bodyPr/>
+                    <a:lstStyle/>
+                    <a:p>
+                      <a:r>
+                        <a:rPr lang="en-US" sz="1400" b="0" cap="all" spc="150">
+                          <a:solidFill>
+                            <a:schemeClr val="lt1"/>
+                          </a:solidFill>
+                          <a:effectLst/>
+                        </a:rPr>
+                        <a:t>State </a:t>
+                      </a:r>
+                    </a:p>
+                  </a:txBody>
+                  <a:tcPr marL="119833" marR="119833" marT="119833" marB="119833" anchor="ctr">
+                    <a:lnL w="12700" cmpd="sng">
+                      <a:noFill/>
+                    </a:lnL>
+                    <a:lnR w="12700" cmpd="sng">
+                      <a:noFill/>
+                    </a:lnR>
+                    <a:lnT w="12700" cmpd="sng">
+                      <a:noFill/>
+                    </a:lnT>
+                    <a:lnB w="38100" cmpd="sng">
+                      <a:noFill/>
+                    </a:lnB>
+                    <a:solidFill>
+                      <a:srgbClr val="505356"/>
+                    </a:solidFill>
+                  </a:tcPr>
+                </a:tc>
+                <a:tc>
+                  <a:txBody>
+                    <a:bodyPr/>
+                    <a:lstStyle/>
+                    <a:p>
+                      <a:r>
+                        <a:rPr lang="en-US" sz="1400" b="0" cap="all" spc="150">
+                          <a:solidFill>
+                            <a:schemeClr val="lt1"/>
+                          </a:solidFill>
+                          <a:effectLst/>
+                        </a:rPr>
+                        <a:t>Beer_Name </a:t>
+                      </a:r>
+                    </a:p>
+                  </a:txBody>
+                  <a:tcPr marL="119833" marR="119833" marT="119833" marB="119833" anchor="ctr">
+                    <a:lnL w="12700" cmpd="sng">
+                      <a:noFill/>
+                    </a:lnL>
+                    <a:lnR w="12700" cmpd="sng">
+                      <a:noFill/>
+                    </a:lnR>
+                    <a:lnT w="12700" cmpd="sng">
+                      <a:noFill/>
+                    </a:lnT>
+                    <a:lnB w="38100" cmpd="sng">
+                      <a:noFill/>
+                    </a:lnB>
+                    <a:solidFill>
+                      <a:srgbClr val="505356"/>
+                    </a:solidFill>
+                  </a:tcPr>
+                </a:tc>
+                <a:tc>
+                  <a:txBody>
+                    <a:bodyPr/>
+                    <a:lstStyle/>
+                    <a:p>
+                      <a:r>
+                        <a:rPr lang="en-US" sz="1400" b="0" cap="all" spc="150">
+                          <a:solidFill>
+                            <a:schemeClr val="lt1"/>
+                          </a:solidFill>
+                          <a:effectLst/>
+                        </a:rPr>
+                        <a:t>ABV </a:t>
+                      </a:r>
+                    </a:p>
+                  </a:txBody>
+                  <a:tcPr marL="119833" marR="119833" marT="119833" marB="119833" anchor="ctr">
+                    <a:lnL w="12700" cmpd="sng">
+                      <a:noFill/>
+                    </a:lnL>
+                    <a:lnR w="12700" cmpd="sng">
+                      <a:noFill/>
+                    </a:lnR>
+                    <a:lnT w="12700" cmpd="sng">
+                      <a:noFill/>
+                    </a:lnT>
+                    <a:lnB w="38100" cmpd="sng">
+                      <a:noFill/>
+                    </a:lnB>
+                    <a:solidFill>
+                      <a:srgbClr val="505356"/>
+                    </a:solidFill>
+                  </a:tcPr>
+                </a:tc>
+                <a:tc>
+                  <a:txBody>
+                    <a:bodyPr/>
+                    <a:lstStyle/>
+                    <a:p>
+                      <a:r>
+                        <a:rPr lang="en-US" sz="1400" b="0" cap="all" spc="150">
+                          <a:solidFill>
+                            <a:schemeClr val="lt1"/>
+                          </a:solidFill>
+                          <a:effectLst/>
+                        </a:rPr>
+                        <a:t>IBU </a:t>
+                      </a:r>
+                    </a:p>
+                  </a:txBody>
+                  <a:tcPr marL="119833" marR="119833" marT="119833" marB="119833" anchor="ctr">
+                    <a:lnL w="12700" cmpd="sng">
+                      <a:noFill/>
+                    </a:lnL>
+                    <a:lnR w="12700" cmpd="sng">
+                      <a:noFill/>
+                    </a:lnR>
+                    <a:lnT w="12700" cmpd="sng">
+                      <a:noFill/>
+                    </a:lnT>
+                    <a:lnB w="38100" cmpd="sng">
+                      <a:noFill/>
+                    </a:lnB>
+                    <a:solidFill>
+                      <a:srgbClr val="505356"/>
+                    </a:solidFill>
+                  </a:tcPr>
+                </a:tc>
+                <a:tc>
+                  <a:txBody>
+                    <a:bodyPr/>
+                    <a:lstStyle/>
+                    <a:p>
+                      <a:r>
+                        <a:rPr lang="en-US" sz="1400" b="0" cap="all" spc="150">
+                          <a:solidFill>
+                            <a:schemeClr val="lt1"/>
+                          </a:solidFill>
+                          <a:effectLst/>
+                        </a:rPr>
+                        <a:t>Style </a:t>
+                      </a:r>
+                    </a:p>
+                  </a:txBody>
+                  <a:tcPr marL="119833" marR="119833" marT="119833" marB="119833" anchor="ctr">
+                    <a:lnL w="12700" cmpd="sng">
+                      <a:noFill/>
+                    </a:lnL>
+                    <a:lnR w="12700" cmpd="sng">
+                      <a:noFill/>
+                    </a:lnR>
+                    <a:lnT w="12700" cmpd="sng">
+                      <a:noFill/>
+                    </a:lnT>
+                    <a:lnB w="38100" cmpd="sng">
+                      <a:noFill/>
+                    </a:lnB>
+                    <a:solidFill>
+                      <a:srgbClr val="505356"/>
+                    </a:solidFill>
+                  </a:tcPr>
+                </a:tc>
+                <a:tc>
+                  <a:txBody>
+                    <a:bodyPr/>
+                    <a:lstStyle/>
+                    <a:p>
+                      <a:r>
+                        <a:rPr lang="en-US" sz="1400" b="0" cap="all" spc="150">
+                          <a:solidFill>
+                            <a:schemeClr val="lt1"/>
+                          </a:solidFill>
+                          <a:effectLst/>
+                        </a:rPr>
+                        <a:t>Ounces </a:t>
+                      </a:r>
+                    </a:p>
+                  </a:txBody>
+                  <a:tcPr marL="119833" marR="119833" marT="119833" marB="119833" anchor="ctr">
+                    <a:lnL w="12700" cmpd="sng">
+                      <a:noFill/>
+                    </a:lnL>
+                    <a:lnR w="12700" cmpd="sng">
+                      <a:noFill/>
+                    </a:lnR>
+                    <a:lnT w="12700" cmpd="sng">
+                      <a:noFill/>
+                    </a:lnT>
+                    <a:lnB w="38100" cmpd="sng">
+                      <a:noFill/>
+                    </a:lnB>
+                    <a:solidFill>
+                      <a:srgbClr val="505356"/>
+                    </a:solidFill>
+                  </a:tcPr>
+                </a:tc>
+                <a:extLst>
+                  <a:ext uri="{0D108BD9-81ED-4DB2-BD59-A6C34878D82A}">
+                    <a16:rowId xmlns:a16="http://schemas.microsoft.com/office/drawing/2014/main" val="703208551"/>
+                  </a:ext>
+                </a:extLst>
+              </a:tr>
+              <a:tr h="444714">
+                <a:tc>
+                  <a:txBody>
+                    <a:bodyPr/>
+                    <a:lstStyle/>
+                    <a:p>
+                      <a:r>
+                        <a:rPr lang="en-US" sz="1100" cap="none" spc="0">
+                          <a:solidFill>
+                            <a:schemeClr val="tx1"/>
+                          </a:solidFill>
+                          <a:effectLst/>
+                        </a:rPr>
+                        <a:t>NorthGate Brewing </a:t>
+                      </a:r>
+                    </a:p>
+                  </a:txBody>
+                  <a:tcPr marL="119833" marR="119833" marT="119833" marB="119833" anchor="ctr">
+                    <a:lnL w="12700" cmpd="sng">
+                      <a:noFill/>
+                      <a:prstDash val="solid"/>
+                    </a:lnL>
+                    <a:lnR w="12700" cmpd="sng">
+                      <a:noFill/>
+                      <a:prstDash val="solid"/>
+                    </a:lnR>
+                    <a:lnT w="38100" cmpd="sng">
+                      <a:noFill/>
+                    </a:lnT>
+                    <a:lnB w="12700" cmpd="sng">
+                      <a:noFill/>
+                      <a:prstDash val="solid"/>
+                    </a:lnB>
+                    <a:noFill/>
+                  </a:tcPr>
+                </a:tc>
+                <a:tc>
+                  <a:txBody>
+                    <a:bodyPr/>
+                    <a:lstStyle/>
+                    <a:p>
+                      <a:r>
+                        <a:rPr lang="en-US" sz="1100" cap="none" spc="0">
+                          <a:solidFill>
+                            <a:schemeClr val="tx1"/>
+                          </a:solidFill>
+                          <a:effectLst/>
+                        </a:rPr>
+                        <a:t>Minneapolis </a:t>
+                      </a:r>
+                    </a:p>
+                  </a:txBody>
+                  <a:tcPr marL="119833" marR="119833" marT="119833" marB="119833" anchor="ctr">
+                    <a:lnL w="12700" cmpd="sng">
+                      <a:noFill/>
+                      <a:prstDash val="solid"/>
+                    </a:lnL>
+                    <a:lnR w="12700" cmpd="sng">
+                      <a:noFill/>
+                      <a:prstDash val="solid"/>
+                    </a:lnR>
+                    <a:lnT w="38100" cmpd="sng">
+                      <a:noFill/>
+                    </a:lnT>
+                    <a:lnB w="12700" cmpd="sng">
+                      <a:noFill/>
+                      <a:prstDash val="solid"/>
+                    </a:lnB>
+                    <a:noFill/>
+                  </a:tcPr>
+                </a:tc>
+                <a:tc>
+                  <a:txBody>
+                    <a:bodyPr/>
+                    <a:lstStyle/>
+                    <a:p>
+                      <a:r>
+                        <a:rPr lang="en-US" sz="1100" cap="none" spc="0">
+                          <a:solidFill>
+                            <a:schemeClr val="tx1"/>
+                          </a:solidFill>
+                          <a:effectLst/>
+                        </a:rPr>
+                        <a:t>MN </a:t>
+                      </a:r>
+                    </a:p>
+                  </a:txBody>
+                  <a:tcPr marL="119833" marR="119833" marT="119833" marB="119833" anchor="ctr">
+                    <a:lnL w="12700" cmpd="sng">
+                      <a:noFill/>
+                      <a:prstDash val="solid"/>
+                    </a:lnL>
+                    <a:lnR w="12700" cmpd="sng">
+                      <a:noFill/>
+                      <a:prstDash val="solid"/>
+                    </a:lnR>
+                    <a:lnT w="38100" cmpd="sng">
+                      <a:noFill/>
+                    </a:lnT>
+                    <a:lnB w="12700" cmpd="sng">
+                      <a:noFill/>
+                      <a:prstDash val="solid"/>
+                    </a:lnB>
+                    <a:noFill/>
+                  </a:tcPr>
+                </a:tc>
+                <a:tc>
+                  <a:txBody>
+                    <a:bodyPr/>
+                    <a:lstStyle/>
+                    <a:p>
+                      <a:r>
+                        <a:rPr lang="en-US" sz="1100" cap="none" spc="0">
+                          <a:solidFill>
+                            <a:schemeClr val="tx1"/>
+                          </a:solidFill>
+                          <a:effectLst/>
+                        </a:rPr>
+                        <a:t>Pumpion </a:t>
+                      </a:r>
+                    </a:p>
+                  </a:txBody>
+                  <a:tcPr marL="119833" marR="119833" marT="119833" marB="119833" anchor="ctr">
+                    <a:lnL w="12700" cmpd="sng">
+                      <a:noFill/>
+                      <a:prstDash val="solid"/>
+                    </a:lnL>
+                    <a:lnR w="12700" cmpd="sng">
+                      <a:noFill/>
+                      <a:prstDash val="solid"/>
+                    </a:lnR>
+                    <a:lnT w="38100" cmpd="sng">
+                      <a:noFill/>
+                    </a:lnT>
+                    <a:lnB w="12700" cmpd="sng">
+                      <a:noFill/>
+                      <a:prstDash val="solid"/>
+                    </a:lnB>
+                    <a:noFill/>
+                  </a:tcPr>
+                </a:tc>
+                <a:tc>
+                  <a:txBody>
+                    <a:bodyPr/>
+                    <a:lstStyle/>
+                    <a:p>
+                      <a:r>
+                        <a:rPr lang="en-US" sz="1100" cap="none" spc="0">
+                          <a:solidFill>
+                            <a:schemeClr val="tx1"/>
+                          </a:solidFill>
+                          <a:effectLst/>
+                        </a:rPr>
+                        <a:t>0.060 </a:t>
+                      </a:r>
+                    </a:p>
+                  </a:txBody>
+                  <a:tcPr marL="119833" marR="119833" marT="119833" marB="119833" anchor="ctr">
+                    <a:lnL w="12700" cmpd="sng">
+                      <a:noFill/>
+                      <a:prstDash val="solid"/>
+                    </a:lnL>
+                    <a:lnR w="12700" cmpd="sng">
+                      <a:noFill/>
+                      <a:prstDash val="solid"/>
+                    </a:lnR>
+                    <a:lnT w="38100" cmpd="sng">
+                      <a:noFill/>
+                    </a:lnT>
+                    <a:lnB w="12700" cmpd="sng">
+                      <a:noFill/>
+                      <a:prstDash val="solid"/>
+                    </a:lnB>
+                    <a:noFill/>
+                  </a:tcPr>
+                </a:tc>
+                <a:tc>
+                  <a:txBody>
+                    <a:bodyPr/>
+                    <a:lstStyle/>
+                    <a:p>
+                      <a:r>
+                        <a:rPr lang="en-US" sz="1100" cap="none" spc="0">
+                          <a:solidFill>
+                            <a:schemeClr val="tx1"/>
+                          </a:solidFill>
+                          <a:effectLst/>
+                        </a:rPr>
+                        <a:t>38 </a:t>
+                      </a:r>
+                    </a:p>
+                  </a:txBody>
+                  <a:tcPr marL="119833" marR="119833" marT="119833" marB="119833" anchor="ctr">
+                    <a:lnL w="12700" cmpd="sng">
+                      <a:noFill/>
+                      <a:prstDash val="solid"/>
+                    </a:lnL>
+                    <a:lnR w="12700" cmpd="sng">
+                      <a:noFill/>
+                      <a:prstDash val="solid"/>
+                    </a:lnR>
+                    <a:lnT w="38100" cmpd="sng">
+                      <a:noFill/>
+                    </a:lnT>
+                    <a:lnB w="12700" cmpd="sng">
+                      <a:noFill/>
+                      <a:prstDash val="solid"/>
+                    </a:lnB>
+                    <a:noFill/>
+                  </a:tcPr>
+                </a:tc>
+                <a:tc>
+                  <a:txBody>
+                    <a:bodyPr/>
+                    <a:lstStyle/>
+                    <a:p>
+                      <a:r>
+                        <a:rPr lang="en-US" sz="1100" cap="none" spc="0">
+                          <a:solidFill>
+                            <a:schemeClr val="tx1"/>
+                          </a:solidFill>
+                          <a:effectLst/>
+                        </a:rPr>
+                        <a:t>Pumpkin Ale </a:t>
+                      </a:r>
+                    </a:p>
+                  </a:txBody>
+                  <a:tcPr marL="119833" marR="119833" marT="119833" marB="119833" anchor="ctr">
+                    <a:lnL w="12700" cmpd="sng">
+                      <a:noFill/>
+                      <a:prstDash val="solid"/>
+                    </a:lnL>
+                    <a:lnR w="12700" cmpd="sng">
+                      <a:noFill/>
+                      <a:prstDash val="solid"/>
+                    </a:lnR>
+                    <a:lnT w="38100" cmpd="sng">
+                      <a:noFill/>
+                    </a:lnT>
+                    <a:lnB w="12700" cmpd="sng">
+                      <a:noFill/>
+                      <a:prstDash val="solid"/>
+                    </a:lnB>
+                    <a:noFill/>
+                  </a:tcPr>
+                </a:tc>
+                <a:tc>
+                  <a:txBody>
+                    <a:bodyPr/>
+                    <a:lstStyle/>
+                    <a:p>
+                      <a:r>
+                        <a:rPr lang="en-US" sz="1100" cap="none" spc="0">
+                          <a:solidFill>
+                            <a:schemeClr val="tx1"/>
+                          </a:solidFill>
+                          <a:effectLst/>
+                        </a:rPr>
+                        <a:t>16 </a:t>
+                      </a:r>
+                    </a:p>
+                  </a:txBody>
+                  <a:tcPr marL="119833" marR="119833" marT="119833" marB="119833" anchor="ctr">
+                    <a:lnL w="12700" cmpd="sng">
+                      <a:noFill/>
+                      <a:prstDash val="solid"/>
+                    </a:lnL>
+                    <a:lnR w="12700" cmpd="sng">
+                      <a:noFill/>
+                      <a:prstDash val="solid"/>
+                    </a:lnR>
+                    <a:lnT w="38100" cmpd="sng">
+                      <a:noFill/>
+                    </a:lnT>
+                    <a:lnB w="12700" cmpd="sng">
+                      <a:noFill/>
+                      <a:prstDash val="solid"/>
+                    </a:lnB>
+                    <a:noFill/>
+                  </a:tcPr>
+                </a:tc>
+                <a:extLst>
+                  <a:ext uri="{0D108BD9-81ED-4DB2-BD59-A6C34878D82A}">
+                    <a16:rowId xmlns:a16="http://schemas.microsoft.com/office/drawing/2014/main" val="1838933879"/>
+                  </a:ext>
+                </a:extLst>
+              </a:tr>
+              <a:tr h="444714">
+                <a:tc>
+                  <a:txBody>
+                    <a:bodyPr/>
+                    <a:lstStyle/>
+                    <a:p>
+                      <a:r>
+                        <a:rPr lang="en-US" sz="1100" cap="none" spc="0">
+                          <a:solidFill>
+                            <a:schemeClr val="tx1"/>
+                          </a:solidFill>
+                          <a:effectLst/>
+                        </a:rPr>
+                        <a:t>NorthGate Brewing </a:t>
+                      </a:r>
+                    </a:p>
+                  </a:txBody>
+                  <a:tcPr marL="119833" marR="119833" marT="119833" marB="119833" anchor="ctr">
+                    <a:lnL w="12700" cmpd="sng">
+                      <a:noFill/>
+                      <a:prstDash val="solid"/>
+                    </a:lnL>
+                    <a:lnR w="12700" cmpd="sng">
+                      <a:noFill/>
+                      <a:prstDash val="solid"/>
+                    </a:lnR>
+                    <a:lnT w="12700" cmpd="sng">
+                      <a:noFill/>
+                      <a:prstDash val="solid"/>
+                    </a:lnT>
+                    <a:lnB w="12700" cmpd="sng">
+                      <a:noFill/>
+                      <a:prstDash val="solid"/>
+                    </a:lnB>
+                    <a:solidFill>
+                      <a:srgbClr val="000000">
+                        <a:alpha val="7843"/>
+                      </a:srgbClr>
+                    </a:solidFill>
+                  </a:tcPr>
+                </a:tc>
+                <a:tc>
+                  <a:txBody>
+                    <a:bodyPr/>
+                    <a:lstStyle/>
+                    <a:p>
+                      <a:r>
+                        <a:rPr lang="en-US" sz="1100" cap="none" spc="0">
+                          <a:solidFill>
+                            <a:schemeClr val="tx1"/>
+                          </a:solidFill>
+                          <a:effectLst/>
+                        </a:rPr>
+                        <a:t>Minneapolis </a:t>
+                      </a:r>
+                    </a:p>
+                  </a:txBody>
+                  <a:tcPr marL="119833" marR="119833" marT="119833" marB="119833" anchor="ctr">
+                    <a:lnL w="12700" cmpd="sng">
+                      <a:noFill/>
+                      <a:prstDash val="solid"/>
+                    </a:lnL>
+                    <a:lnR w="12700" cmpd="sng">
+                      <a:noFill/>
+                      <a:prstDash val="solid"/>
+                    </a:lnR>
+                    <a:lnT w="12700" cmpd="sng">
+                      <a:noFill/>
+                      <a:prstDash val="solid"/>
+                    </a:lnT>
+                    <a:lnB w="12700" cmpd="sng">
+                      <a:noFill/>
+                      <a:prstDash val="solid"/>
+                    </a:lnB>
+                    <a:solidFill>
+                      <a:srgbClr val="000000">
+                        <a:alpha val="7843"/>
+                      </a:srgbClr>
+                    </a:solidFill>
+                  </a:tcPr>
+                </a:tc>
+                <a:tc>
+                  <a:txBody>
+                    <a:bodyPr/>
+                    <a:lstStyle/>
+                    <a:p>
+                      <a:r>
+                        <a:rPr lang="en-US" sz="1100" cap="none" spc="0">
+                          <a:solidFill>
+                            <a:schemeClr val="tx1"/>
+                          </a:solidFill>
+                          <a:effectLst/>
+                        </a:rPr>
+                        <a:t>MN </a:t>
+                      </a:r>
+                    </a:p>
+                  </a:txBody>
+                  <a:tcPr marL="119833" marR="119833" marT="119833" marB="119833" anchor="ctr">
+                    <a:lnL w="12700" cmpd="sng">
+                      <a:noFill/>
+                      <a:prstDash val="solid"/>
+                    </a:lnL>
+                    <a:lnR w="12700" cmpd="sng">
+                      <a:noFill/>
+                      <a:prstDash val="solid"/>
+                    </a:lnR>
+                    <a:lnT w="12700" cmpd="sng">
+                      <a:noFill/>
+                      <a:prstDash val="solid"/>
+                    </a:lnT>
+                    <a:lnB w="12700" cmpd="sng">
+                      <a:noFill/>
+                      <a:prstDash val="solid"/>
+                    </a:lnB>
+                    <a:solidFill>
+                      <a:srgbClr val="000000">
+                        <a:alpha val="7843"/>
+                      </a:srgbClr>
+                    </a:solidFill>
+                  </a:tcPr>
+                </a:tc>
+                <a:tc>
+                  <a:txBody>
+                    <a:bodyPr/>
+                    <a:lstStyle/>
+                    <a:p>
+                      <a:r>
+                        <a:rPr lang="en-US" sz="1100" cap="none" spc="0">
+                          <a:solidFill>
+                            <a:schemeClr val="tx1"/>
+                          </a:solidFill>
+                          <a:effectLst/>
+                        </a:rPr>
+                        <a:t>Stronghold </a:t>
+                      </a:r>
+                    </a:p>
+                  </a:txBody>
+                  <a:tcPr marL="119833" marR="119833" marT="119833" marB="119833" anchor="ctr">
+                    <a:lnL w="12700" cmpd="sng">
+                      <a:noFill/>
+                      <a:prstDash val="solid"/>
+                    </a:lnL>
+                    <a:lnR w="12700" cmpd="sng">
+                      <a:noFill/>
+                      <a:prstDash val="solid"/>
+                    </a:lnR>
+                    <a:lnT w="12700" cmpd="sng">
+                      <a:noFill/>
+                      <a:prstDash val="solid"/>
+                    </a:lnT>
+                    <a:lnB w="12700" cmpd="sng">
+                      <a:noFill/>
+                      <a:prstDash val="solid"/>
+                    </a:lnB>
+                    <a:solidFill>
+                      <a:srgbClr val="000000">
+                        <a:alpha val="7843"/>
+                      </a:srgbClr>
+                    </a:solidFill>
+                  </a:tcPr>
+                </a:tc>
+                <a:tc>
+                  <a:txBody>
+                    <a:bodyPr/>
+                    <a:lstStyle/>
+                    <a:p>
+                      <a:r>
+                        <a:rPr lang="en-US" sz="1100" cap="none" spc="0">
+                          <a:solidFill>
+                            <a:schemeClr val="tx1"/>
+                          </a:solidFill>
+                          <a:effectLst/>
+                        </a:rPr>
+                        <a:t>0.060 </a:t>
+                      </a:r>
+                    </a:p>
+                  </a:txBody>
+                  <a:tcPr marL="119833" marR="119833" marT="119833" marB="119833" anchor="ctr">
+                    <a:lnL w="12700" cmpd="sng">
+                      <a:noFill/>
+                      <a:prstDash val="solid"/>
+                    </a:lnL>
+                    <a:lnR w="12700" cmpd="sng">
+                      <a:noFill/>
+                      <a:prstDash val="solid"/>
+                    </a:lnR>
+                    <a:lnT w="12700" cmpd="sng">
+                      <a:noFill/>
+                      <a:prstDash val="solid"/>
+                    </a:lnT>
+                    <a:lnB w="12700" cmpd="sng">
+                      <a:noFill/>
+                      <a:prstDash val="solid"/>
+                    </a:lnB>
+                    <a:solidFill>
+                      <a:srgbClr val="000000">
+                        <a:alpha val="7843"/>
+                      </a:srgbClr>
+                    </a:solidFill>
+                  </a:tcPr>
+                </a:tc>
+                <a:tc>
+                  <a:txBody>
+                    <a:bodyPr/>
+                    <a:lstStyle/>
+                    <a:p>
+                      <a:r>
+                        <a:rPr lang="en-US" sz="1100" cap="none" spc="0">
+                          <a:solidFill>
+                            <a:schemeClr val="tx1"/>
+                          </a:solidFill>
+                          <a:effectLst/>
+                        </a:rPr>
+                        <a:t>25 </a:t>
+                      </a:r>
+                    </a:p>
+                  </a:txBody>
+                  <a:tcPr marL="119833" marR="119833" marT="119833" marB="119833" anchor="ctr">
+                    <a:lnL w="12700" cmpd="sng">
+                      <a:noFill/>
+                      <a:prstDash val="solid"/>
+                    </a:lnL>
+                    <a:lnR w="12700" cmpd="sng">
+                      <a:noFill/>
+                      <a:prstDash val="solid"/>
+                    </a:lnR>
+                    <a:lnT w="12700" cmpd="sng">
+                      <a:noFill/>
+                      <a:prstDash val="solid"/>
+                    </a:lnT>
+                    <a:lnB w="12700" cmpd="sng">
+                      <a:noFill/>
+                      <a:prstDash val="solid"/>
+                    </a:lnB>
+                    <a:solidFill>
+                      <a:srgbClr val="000000">
+                        <a:alpha val="7843"/>
+                      </a:srgbClr>
+                    </a:solidFill>
+                  </a:tcPr>
+                </a:tc>
+                <a:tc>
+                  <a:txBody>
+                    <a:bodyPr/>
+                    <a:lstStyle/>
+                    <a:p>
+                      <a:r>
+                        <a:rPr lang="en-US" sz="1100" cap="none" spc="0">
+                          <a:solidFill>
+                            <a:schemeClr val="tx1"/>
+                          </a:solidFill>
+                          <a:effectLst/>
+                        </a:rPr>
+                        <a:t>American Porter </a:t>
+                      </a:r>
+                    </a:p>
+                  </a:txBody>
+                  <a:tcPr marL="119833" marR="119833" marT="119833" marB="119833" anchor="ctr">
+                    <a:lnL w="12700" cmpd="sng">
+                      <a:noFill/>
+                      <a:prstDash val="solid"/>
+                    </a:lnL>
+                    <a:lnR w="12700" cmpd="sng">
+                      <a:noFill/>
+                      <a:prstDash val="solid"/>
+                    </a:lnR>
+                    <a:lnT w="12700" cmpd="sng">
+                      <a:noFill/>
+                      <a:prstDash val="solid"/>
+                    </a:lnT>
+                    <a:lnB w="12700" cmpd="sng">
+                      <a:noFill/>
+                      <a:prstDash val="solid"/>
+                    </a:lnB>
+                    <a:solidFill>
+                      <a:srgbClr val="000000">
+                        <a:alpha val="7843"/>
+                      </a:srgbClr>
+                    </a:solidFill>
+                  </a:tcPr>
+                </a:tc>
+                <a:tc>
+                  <a:txBody>
+                    <a:bodyPr/>
+                    <a:lstStyle/>
+                    <a:p>
+                      <a:r>
+                        <a:rPr lang="en-US" sz="1100" cap="none" spc="0">
+                          <a:solidFill>
+                            <a:schemeClr val="tx1"/>
+                          </a:solidFill>
+                          <a:effectLst/>
+                        </a:rPr>
+                        <a:t>16 </a:t>
+                      </a:r>
+                    </a:p>
+                  </a:txBody>
+                  <a:tcPr marL="119833" marR="119833" marT="119833" marB="119833" anchor="ctr">
+                    <a:lnL w="12700" cmpd="sng">
+                      <a:noFill/>
+                      <a:prstDash val="solid"/>
+                    </a:lnL>
+                    <a:lnR w="12700" cmpd="sng">
+                      <a:noFill/>
+                      <a:prstDash val="solid"/>
+                    </a:lnR>
+                    <a:lnT w="12700" cmpd="sng">
+                      <a:noFill/>
+                      <a:prstDash val="solid"/>
+                    </a:lnT>
+                    <a:lnB w="12700" cmpd="sng">
+                      <a:noFill/>
+                      <a:prstDash val="solid"/>
+                    </a:lnB>
+                    <a:solidFill>
+                      <a:srgbClr val="000000">
+                        <a:alpha val="7843"/>
+                      </a:srgbClr>
+                    </a:solidFill>
+                  </a:tcPr>
+                </a:tc>
+                <a:extLst>
+                  <a:ext uri="{0D108BD9-81ED-4DB2-BD59-A6C34878D82A}">
+                    <a16:rowId xmlns:a16="http://schemas.microsoft.com/office/drawing/2014/main" val="3584657903"/>
+                  </a:ext>
+                </a:extLst>
+              </a:tr>
+              <a:tr h="617806">
+                <a:tc>
+                  <a:txBody>
+                    <a:bodyPr/>
+                    <a:lstStyle/>
+                    <a:p>
+                      <a:r>
+                        <a:rPr lang="en-US" sz="1100" cap="none" spc="0">
+                          <a:solidFill>
+                            <a:schemeClr val="tx1"/>
+                          </a:solidFill>
+                          <a:effectLst/>
+                        </a:rPr>
+                        <a:t>NorthGate Brewing </a:t>
+                      </a:r>
+                    </a:p>
+                  </a:txBody>
+                  <a:tcPr marL="119833" marR="119833" marT="119833" marB="119833" anchor="ctr">
+                    <a:lnL w="12700" cmpd="sng">
+                      <a:noFill/>
+                      <a:prstDash val="solid"/>
+                    </a:lnL>
+                    <a:lnR w="12700" cmpd="sng">
+                      <a:noFill/>
+                      <a:prstDash val="solid"/>
+                    </a:lnR>
+                    <a:lnT w="12700" cmpd="sng">
+                      <a:noFill/>
+                      <a:prstDash val="solid"/>
+                    </a:lnT>
+                    <a:lnB w="12700" cmpd="sng">
+                      <a:noFill/>
+                      <a:prstDash val="solid"/>
+                    </a:lnB>
+                    <a:noFill/>
+                  </a:tcPr>
+                </a:tc>
+                <a:tc>
+                  <a:txBody>
+                    <a:bodyPr/>
+                    <a:lstStyle/>
+                    <a:p>
+                      <a:r>
+                        <a:rPr lang="en-US" sz="1100" cap="none" spc="0">
+                          <a:solidFill>
+                            <a:schemeClr val="tx1"/>
+                          </a:solidFill>
+                          <a:effectLst/>
+                        </a:rPr>
+                        <a:t>Minneapolis </a:t>
+                      </a:r>
+                    </a:p>
+                  </a:txBody>
+                  <a:tcPr marL="119833" marR="119833" marT="119833" marB="119833" anchor="ctr">
+                    <a:lnL w="12700" cmpd="sng">
+                      <a:noFill/>
+                      <a:prstDash val="solid"/>
+                    </a:lnL>
+                    <a:lnR w="12700" cmpd="sng">
+                      <a:noFill/>
+                      <a:prstDash val="solid"/>
+                    </a:lnR>
+                    <a:lnT w="12700" cmpd="sng">
+                      <a:noFill/>
+                      <a:prstDash val="solid"/>
+                    </a:lnT>
+                    <a:lnB w="12700" cmpd="sng">
+                      <a:noFill/>
+                      <a:prstDash val="solid"/>
+                    </a:lnB>
+                    <a:noFill/>
+                  </a:tcPr>
+                </a:tc>
+                <a:tc>
+                  <a:txBody>
+                    <a:bodyPr/>
+                    <a:lstStyle/>
+                    <a:p>
+                      <a:r>
+                        <a:rPr lang="en-US" sz="1100" cap="none" spc="0">
+                          <a:solidFill>
+                            <a:schemeClr val="tx1"/>
+                          </a:solidFill>
+                          <a:effectLst/>
+                        </a:rPr>
+                        <a:t>MN </a:t>
+                      </a:r>
+                    </a:p>
+                  </a:txBody>
+                  <a:tcPr marL="119833" marR="119833" marT="119833" marB="119833" anchor="ctr">
+                    <a:lnL w="12700" cmpd="sng">
+                      <a:noFill/>
+                      <a:prstDash val="solid"/>
+                    </a:lnL>
+                    <a:lnR w="12700" cmpd="sng">
+                      <a:noFill/>
+                      <a:prstDash val="solid"/>
+                    </a:lnR>
+                    <a:lnT w="12700" cmpd="sng">
+                      <a:noFill/>
+                      <a:prstDash val="solid"/>
+                    </a:lnT>
+                    <a:lnB w="12700" cmpd="sng">
+                      <a:noFill/>
+                      <a:prstDash val="solid"/>
+                    </a:lnB>
+                    <a:noFill/>
+                  </a:tcPr>
+                </a:tc>
+                <a:tc>
+                  <a:txBody>
+                    <a:bodyPr/>
+                    <a:lstStyle/>
+                    <a:p>
+                      <a:r>
+                        <a:rPr lang="en-US" sz="1100" cap="none" spc="0">
+                          <a:solidFill>
+                            <a:schemeClr val="tx1"/>
+                          </a:solidFill>
+                          <a:effectLst/>
+                        </a:rPr>
+                        <a:t>Parapet ESB </a:t>
+                      </a:r>
+                    </a:p>
+                  </a:txBody>
+                  <a:tcPr marL="119833" marR="119833" marT="119833" marB="119833" anchor="ctr">
+                    <a:lnL w="12700" cmpd="sng">
+                      <a:noFill/>
+                      <a:prstDash val="solid"/>
+                    </a:lnL>
+                    <a:lnR w="12700" cmpd="sng">
+                      <a:noFill/>
+                      <a:prstDash val="solid"/>
+                    </a:lnR>
+                    <a:lnT w="12700" cmpd="sng">
+                      <a:noFill/>
+                      <a:prstDash val="solid"/>
+                    </a:lnT>
+                    <a:lnB w="12700" cmpd="sng">
+                      <a:noFill/>
+                      <a:prstDash val="solid"/>
+                    </a:lnB>
+                    <a:noFill/>
+                  </a:tcPr>
+                </a:tc>
+                <a:tc>
+                  <a:txBody>
+                    <a:bodyPr/>
+                    <a:lstStyle/>
+                    <a:p>
+                      <a:r>
+                        <a:rPr lang="en-US" sz="1100" cap="none" spc="0">
+                          <a:solidFill>
+                            <a:schemeClr val="tx1"/>
+                          </a:solidFill>
+                          <a:effectLst/>
+                        </a:rPr>
+                        <a:t>0.056 </a:t>
+                      </a:r>
+                    </a:p>
+                  </a:txBody>
+                  <a:tcPr marL="119833" marR="119833" marT="119833" marB="119833" anchor="ctr">
+                    <a:lnL w="12700" cmpd="sng">
+                      <a:noFill/>
+                      <a:prstDash val="solid"/>
+                    </a:lnL>
+                    <a:lnR w="12700" cmpd="sng">
+                      <a:noFill/>
+                      <a:prstDash val="solid"/>
+                    </a:lnR>
+                    <a:lnT w="12700" cmpd="sng">
+                      <a:noFill/>
+                      <a:prstDash val="solid"/>
+                    </a:lnT>
+                    <a:lnB w="12700" cmpd="sng">
+                      <a:noFill/>
+                      <a:prstDash val="solid"/>
+                    </a:lnB>
+                    <a:noFill/>
+                  </a:tcPr>
+                </a:tc>
+                <a:tc>
+                  <a:txBody>
+                    <a:bodyPr/>
+                    <a:lstStyle/>
+                    <a:p>
+                      <a:r>
+                        <a:rPr lang="en-US" sz="1100" cap="none" spc="0">
+                          <a:solidFill>
+                            <a:schemeClr val="tx1"/>
+                          </a:solidFill>
+                          <a:effectLst/>
+                        </a:rPr>
+                        <a:t>47 </a:t>
+                      </a:r>
+                    </a:p>
+                  </a:txBody>
+                  <a:tcPr marL="119833" marR="119833" marT="119833" marB="119833" anchor="ctr">
+                    <a:lnL w="12700" cmpd="sng">
+                      <a:noFill/>
+                      <a:prstDash val="solid"/>
+                    </a:lnL>
+                    <a:lnR w="12700" cmpd="sng">
+                      <a:noFill/>
+                      <a:prstDash val="solid"/>
+                    </a:lnR>
+                    <a:lnT w="12700" cmpd="sng">
+                      <a:noFill/>
+                      <a:prstDash val="solid"/>
+                    </a:lnT>
+                    <a:lnB w="12700" cmpd="sng">
+                      <a:noFill/>
+                      <a:prstDash val="solid"/>
+                    </a:lnB>
+                    <a:noFill/>
+                  </a:tcPr>
+                </a:tc>
+                <a:tc>
+                  <a:txBody>
+                    <a:bodyPr/>
+                    <a:lstStyle/>
+                    <a:p>
+                      <a:r>
+                        <a:rPr lang="en-US" sz="1100" cap="none" spc="0">
+                          <a:solidFill>
+                            <a:schemeClr val="tx1"/>
+                          </a:solidFill>
+                          <a:effectLst/>
+                        </a:rPr>
+                        <a:t>Extra Special / Strong Bitter (ESB) </a:t>
+                      </a:r>
+                    </a:p>
+                  </a:txBody>
+                  <a:tcPr marL="119833" marR="119833" marT="119833" marB="119833" anchor="ctr">
+                    <a:lnL w="12700" cmpd="sng">
+                      <a:noFill/>
+                      <a:prstDash val="solid"/>
+                    </a:lnL>
+                    <a:lnR w="12700" cmpd="sng">
+                      <a:noFill/>
+                      <a:prstDash val="solid"/>
+                    </a:lnR>
+                    <a:lnT w="12700" cmpd="sng">
+                      <a:noFill/>
+                      <a:prstDash val="solid"/>
+                    </a:lnT>
+                    <a:lnB w="12700" cmpd="sng">
+                      <a:noFill/>
+                      <a:prstDash val="solid"/>
+                    </a:lnB>
+                    <a:noFill/>
+                  </a:tcPr>
+                </a:tc>
+                <a:tc>
+                  <a:txBody>
+                    <a:bodyPr/>
+                    <a:lstStyle/>
+                    <a:p>
+                      <a:r>
+                        <a:rPr lang="en-US" sz="1100" cap="none" spc="0">
+                          <a:solidFill>
+                            <a:schemeClr val="tx1"/>
+                          </a:solidFill>
+                          <a:effectLst/>
+                        </a:rPr>
+                        <a:t>16 </a:t>
+                      </a:r>
+                    </a:p>
+                  </a:txBody>
+                  <a:tcPr marL="119833" marR="119833" marT="119833" marB="119833" anchor="ctr">
+                    <a:lnL w="12700" cmpd="sng">
+                      <a:noFill/>
+                      <a:prstDash val="solid"/>
+                    </a:lnL>
+                    <a:lnR w="12700" cmpd="sng">
+                      <a:noFill/>
+                      <a:prstDash val="solid"/>
+                    </a:lnR>
+                    <a:lnT w="12700" cmpd="sng">
+                      <a:noFill/>
+                      <a:prstDash val="solid"/>
+                    </a:lnT>
+                    <a:lnB w="12700" cmpd="sng">
+                      <a:noFill/>
+                      <a:prstDash val="solid"/>
+                    </a:lnB>
+                    <a:noFill/>
+                  </a:tcPr>
+                </a:tc>
+                <a:extLst>
+                  <a:ext uri="{0D108BD9-81ED-4DB2-BD59-A6C34878D82A}">
+                    <a16:rowId xmlns:a16="http://schemas.microsoft.com/office/drawing/2014/main" val="1991788715"/>
+                  </a:ext>
+                </a:extLst>
+              </a:tr>
+              <a:tr h="444714">
+                <a:tc>
+                  <a:txBody>
+                    <a:bodyPr/>
+                    <a:lstStyle/>
+                    <a:p>
+                      <a:r>
+                        <a:rPr lang="en-US" sz="1100" cap="none" spc="0">
+                          <a:solidFill>
+                            <a:schemeClr val="tx1"/>
+                          </a:solidFill>
+                          <a:effectLst/>
+                        </a:rPr>
+                        <a:t>NorthGate Brewing </a:t>
+                      </a:r>
+                    </a:p>
+                  </a:txBody>
+                  <a:tcPr marL="119833" marR="119833" marT="119833" marB="119833" anchor="ctr">
+                    <a:lnL w="12700" cmpd="sng">
+                      <a:noFill/>
+                      <a:prstDash val="solid"/>
+                    </a:lnL>
+                    <a:lnR w="12700" cmpd="sng">
+                      <a:noFill/>
+                      <a:prstDash val="solid"/>
+                    </a:lnR>
+                    <a:lnT w="12700" cmpd="sng">
+                      <a:noFill/>
+                      <a:prstDash val="solid"/>
+                    </a:lnT>
+                    <a:lnB w="12700" cmpd="sng">
+                      <a:noFill/>
+                      <a:prstDash val="solid"/>
+                    </a:lnB>
+                    <a:solidFill>
+                      <a:srgbClr val="000000">
+                        <a:alpha val="7843"/>
+                      </a:srgbClr>
+                    </a:solidFill>
+                  </a:tcPr>
+                </a:tc>
+                <a:tc>
+                  <a:txBody>
+                    <a:bodyPr/>
+                    <a:lstStyle/>
+                    <a:p>
+                      <a:r>
+                        <a:rPr lang="en-US" sz="1100" cap="none" spc="0">
+                          <a:solidFill>
+                            <a:schemeClr val="tx1"/>
+                          </a:solidFill>
+                          <a:effectLst/>
+                        </a:rPr>
+                        <a:t>Minneapolis </a:t>
+                      </a:r>
+                    </a:p>
+                  </a:txBody>
+                  <a:tcPr marL="119833" marR="119833" marT="119833" marB="119833" anchor="ctr">
+                    <a:lnL w="12700" cmpd="sng">
+                      <a:noFill/>
+                      <a:prstDash val="solid"/>
+                    </a:lnL>
+                    <a:lnR w="12700" cmpd="sng">
+                      <a:noFill/>
+                      <a:prstDash val="solid"/>
+                    </a:lnR>
+                    <a:lnT w="12700" cmpd="sng">
+                      <a:noFill/>
+                      <a:prstDash val="solid"/>
+                    </a:lnT>
+                    <a:lnB w="12700" cmpd="sng">
+                      <a:noFill/>
+                      <a:prstDash val="solid"/>
+                    </a:lnB>
+                    <a:solidFill>
+                      <a:srgbClr val="000000">
+                        <a:alpha val="7843"/>
+                      </a:srgbClr>
+                    </a:solidFill>
+                  </a:tcPr>
+                </a:tc>
+                <a:tc>
+                  <a:txBody>
+                    <a:bodyPr/>
+                    <a:lstStyle/>
+                    <a:p>
+                      <a:r>
+                        <a:rPr lang="en-US" sz="1100" cap="none" spc="0">
+                          <a:solidFill>
+                            <a:schemeClr val="tx1"/>
+                          </a:solidFill>
+                          <a:effectLst/>
+                        </a:rPr>
+                        <a:t>MN </a:t>
+                      </a:r>
+                    </a:p>
+                  </a:txBody>
+                  <a:tcPr marL="119833" marR="119833" marT="119833" marB="119833" anchor="ctr">
+                    <a:lnL w="12700" cmpd="sng">
+                      <a:noFill/>
+                      <a:prstDash val="solid"/>
+                    </a:lnL>
+                    <a:lnR w="12700" cmpd="sng">
+                      <a:noFill/>
+                      <a:prstDash val="solid"/>
+                    </a:lnR>
+                    <a:lnT w="12700" cmpd="sng">
+                      <a:noFill/>
+                      <a:prstDash val="solid"/>
+                    </a:lnT>
+                    <a:lnB w="12700" cmpd="sng">
+                      <a:noFill/>
+                      <a:prstDash val="solid"/>
+                    </a:lnB>
+                    <a:solidFill>
+                      <a:srgbClr val="000000">
+                        <a:alpha val="7843"/>
+                      </a:srgbClr>
+                    </a:solidFill>
+                  </a:tcPr>
+                </a:tc>
+                <a:tc>
+                  <a:txBody>
+                    <a:bodyPr/>
+                    <a:lstStyle/>
+                    <a:p>
+                      <a:r>
+                        <a:rPr lang="en-US" sz="1100" cap="none" spc="0">
+                          <a:solidFill>
+                            <a:schemeClr val="tx1"/>
+                          </a:solidFill>
+                          <a:effectLst/>
+                        </a:rPr>
+                        <a:t>Get Together </a:t>
+                      </a:r>
+                    </a:p>
+                  </a:txBody>
+                  <a:tcPr marL="119833" marR="119833" marT="119833" marB="119833" anchor="ctr">
+                    <a:lnL w="12700" cmpd="sng">
+                      <a:noFill/>
+                      <a:prstDash val="solid"/>
+                    </a:lnL>
+                    <a:lnR w="12700" cmpd="sng">
+                      <a:noFill/>
+                      <a:prstDash val="solid"/>
+                    </a:lnR>
+                    <a:lnT w="12700" cmpd="sng">
+                      <a:noFill/>
+                      <a:prstDash val="solid"/>
+                    </a:lnT>
+                    <a:lnB w="12700" cmpd="sng">
+                      <a:noFill/>
+                      <a:prstDash val="solid"/>
+                    </a:lnB>
+                    <a:solidFill>
+                      <a:srgbClr val="000000">
+                        <a:alpha val="7843"/>
+                      </a:srgbClr>
+                    </a:solidFill>
+                  </a:tcPr>
+                </a:tc>
+                <a:tc>
+                  <a:txBody>
+                    <a:bodyPr/>
+                    <a:lstStyle/>
+                    <a:p>
+                      <a:r>
+                        <a:rPr lang="en-US" sz="1100" cap="none" spc="0">
+                          <a:solidFill>
+                            <a:schemeClr val="tx1"/>
+                          </a:solidFill>
+                          <a:effectLst/>
+                        </a:rPr>
+                        <a:t>0.045 </a:t>
+                      </a:r>
+                    </a:p>
+                  </a:txBody>
+                  <a:tcPr marL="119833" marR="119833" marT="119833" marB="119833" anchor="ctr">
+                    <a:lnL w="12700" cmpd="sng">
+                      <a:noFill/>
+                      <a:prstDash val="solid"/>
+                    </a:lnL>
+                    <a:lnR w="12700" cmpd="sng">
+                      <a:noFill/>
+                      <a:prstDash val="solid"/>
+                    </a:lnR>
+                    <a:lnT w="12700" cmpd="sng">
+                      <a:noFill/>
+                      <a:prstDash val="solid"/>
+                    </a:lnT>
+                    <a:lnB w="12700" cmpd="sng">
+                      <a:noFill/>
+                      <a:prstDash val="solid"/>
+                    </a:lnB>
+                    <a:solidFill>
+                      <a:srgbClr val="000000">
+                        <a:alpha val="7843"/>
+                      </a:srgbClr>
+                    </a:solidFill>
+                  </a:tcPr>
+                </a:tc>
+                <a:tc>
+                  <a:txBody>
+                    <a:bodyPr/>
+                    <a:lstStyle/>
+                    <a:p>
+                      <a:r>
+                        <a:rPr lang="en-US" sz="1100" cap="none" spc="0">
+                          <a:solidFill>
+                            <a:schemeClr val="tx1"/>
+                          </a:solidFill>
+                          <a:effectLst/>
+                        </a:rPr>
+                        <a:t>50 </a:t>
+                      </a:r>
+                    </a:p>
+                  </a:txBody>
+                  <a:tcPr marL="119833" marR="119833" marT="119833" marB="119833" anchor="ctr">
+                    <a:lnL w="12700" cmpd="sng">
+                      <a:noFill/>
+                      <a:prstDash val="solid"/>
+                    </a:lnL>
+                    <a:lnR w="12700" cmpd="sng">
+                      <a:noFill/>
+                      <a:prstDash val="solid"/>
+                    </a:lnR>
+                    <a:lnT w="12700" cmpd="sng">
+                      <a:noFill/>
+                      <a:prstDash val="solid"/>
+                    </a:lnT>
+                    <a:lnB w="12700" cmpd="sng">
+                      <a:noFill/>
+                      <a:prstDash val="solid"/>
+                    </a:lnB>
+                    <a:solidFill>
+                      <a:srgbClr val="000000">
+                        <a:alpha val="7843"/>
+                      </a:srgbClr>
+                    </a:solidFill>
+                  </a:tcPr>
+                </a:tc>
+                <a:tc>
+                  <a:txBody>
+                    <a:bodyPr/>
+                    <a:lstStyle/>
+                    <a:p>
+                      <a:r>
+                        <a:rPr lang="en-US" sz="1100" cap="none" spc="0">
+                          <a:solidFill>
+                            <a:schemeClr val="tx1"/>
+                          </a:solidFill>
+                          <a:effectLst/>
+                        </a:rPr>
+                        <a:t>American IPA </a:t>
+                      </a:r>
+                    </a:p>
+                  </a:txBody>
+                  <a:tcPr marL="119833" marR="119833" marT="119833" marB="119833" anchor="ctr">
+                    <a:lnL w="12700" cmpd="sng">
+                      <a:noFill/>
+                      <a:prstDash val="solid"/>
+                    </a:lnL>
+                    <a:lnR w="12700" cmpd="sng">
+                      <a:noFill/>
+                      <a:prstDash val="solid"/>
+                    </a:lnR>
+                    <a:lnT w="12700" cmpd="sng">
+                      <a:noFill/>
+                      <a:prstDash val="solid"/>
+                    </a:lnT>
+                    <a:lnB w="12700" cmpd="sng">
+                      <a:noFill/>
+                      <a:prstDash val="solid"/>
+                    </a:lnB>
+                    <a:solidFill>
+                      <a:srgbClr val="000000">
+                        <a:alpha val="7843"/>
+                      </a:srgbClr>
+                    </a:solidFill>
+                  </a:tcPr>
+                </a:tc>
+                <a:tc>
+                  <a:txBody>
+                    <a:bodyPr/>
+                    <a:lstStyle/>
+                    <a:p>
+                      <a:r>
+                        <a:rPr lang="en-US" sz="1100" cap="none" spc="0">
+                          <a:solidFill>
+                            <a:schemeClr val="tx1"/>
+                          </a:solidFill>
+                          <a:effectLst/>
+                        </a:rPr>
+                        <a:t>16 </a:t>
+                      </a:r>
+                    </a:p>
+                  </a:txBody>
+                  <a:tcPr marL="119833" marR="119833" marT="119833" marB="119833" anchor="ctr">
+                    <a:lnL w="12700" cmpd="sng">
+                      <a:noFill/>
+                      <a:prstDash val="solid"/>
+                    </a:lnL>
+                    <a:lnR w="12700" cmpd="sng">
+                      <a:noFill/>
+                      <a:prstDash val="solid"/>
+                    </a:lnR>
+                    <a:lnT w="12700" cmpd="sng">
+                      <a:noFill/>
+                      <a:prstDash val="solid"/>
+                    </a:lnT>
+                    <a:lnB w="12700" cmpd="sng">
+                      <a:noFill/>
+                      <a:prstDash val="solid"/>
+                    </a:lnB>
+                    <a:solidFill>
+                      <a:srgbClr val="000000">
+                        <a:alpha val="7843"/>
+                      </a:srgbClr>
+                    </a:solidFill>
+                  </a:tcPr>
+                </a:tc>
+                <a:extLst>
+                  <a:ext uri="{0D108BD9-81ED-4DB2-BD59-A6C34878D82A}">
+                    <a16:rowId xmlns:a16="http://schemas.microsoft.com/office/drawing/2014/main" val="580390665"/>
+                  </a:ext>
+                </a:extLst>
+              </a:tr>
+              <a:tr h="444714">
+                <a:tc>
+                  <a:txBody>
+                    <a:bodyPr/>
+                    <a:lstStyle/>
+                    <a:p>
+                      <a:r>
+                        <a:rPr lang="en-US" sz="1100" cap="none" spc="0">
+                          <a:solidFill>
+                            <a:schemeClr val="tx1"/>
+                          </a:solidFill>
+                          <a:effectLst/>
+                        </a:rPr>
+                        <a:t>NorthGate Brewing </a:t>
+                      </a:r>
+                    </a:p>
+                  </a:txBody>
+                  <a:tcPr marL="119833" marR="119833" marT="119833" marB="119833" anchor="ctr">
+                    <a:lnL w="12700" cmpd="sng">
+                      <a:noFill/>
+                      <a:prstDash val="solid"/>
+                    </a:lnL>
+                    <a:lnR w="12700" cmpd="sng">
+                      <a:noFill/>
+                      <a:prstDash val="solid"/>
+                    </a:lnR>
+                    <a:lnT w="12700" cmpd="sng">
+                      <a:noFill/>
+                      <a:prstDash val="solid"/>
+                    </a:lnT>
+                    <a:lnB w="12700" cmpd="sng">
+                      <a:noFill/>
+                      <a:prstDash val="solid"/>
+                    </a:lnB>
+                    <a:noFill/>
+                  </a:tcPr>
+                </a:tc>
+                <a:tc>
+                  <a:txBody>
+                    <a:bodyPr/>
+                    <a:lstStyle/>
+                    <a:p>
+                      <a:r>
+                        <a:rPr lang="en-US" sz="1100" cap="none" spc="0">
+                          <a:solidFill>
+                            <a:schemeClr val="tx1"/>
+                          </a:solidFill>
+                          <a:effectLst/>
+                        </a:rPr>
+                        <a:t>Minneapolis </a:t>
+                      </a:r>
+                    </a:p>
+                  </a:txBody>
+                  <a:tcPr marL="119833" marR="119833" marT="119833" marB="119833" anchor="ctr">
+                    <a:lnL w="12700" cmpd="sng">
+                      <a:noFill/>
+                      <a:prstDash val="solid"/>
+                    </a:lnL>
+                    <a:lnR w="12700" cmpd="sng">
+                      <a:noFill/>
+                      <a:prstDash val="solid"/>
+                    </a:lnR>
+                    <a:lnT w="12700" cmpd="sng">
+                      <a:noFill/>
+                      <a:prstDash val="solid"/>
+                    </a:lnT>
+                    <a:lnB w="12700" cmpd="sng">
+                      <a:noFill/>
+                      <a:prstDash val="solid"/>
+                    </a:lnB>
+                    <a:noFill/>
+                  </a:tcPr>
+                </a:tc>
+                <a:tc>
+                  <a:txBody>
+                    <a:bodyPr/>
+                    <a:lstStyle/>
+                    <a:p>
+                      <a:r>
+                        <a:rPr lang="en-US" sz="1100" cap="none" spc="0">
+                          <a:solidFill>
+                            <a:schemeClr val="tx1"/>
+                          </a:solidFill>
+                          <a:effectLst/>
+                        </a:rPr>
+                        <a:t>MN </a:t>
+                      </a:r>
+                    </a:p>
+                  </a:txBody>
+                  <a:tcPr marL="119833" marR="119833" marT="119833" marB="119833" anchor="ctr">
+                    <a:lnL w="12700" cmpd="sng">
+                      <a:noFill/>
+                      <a:prstDash val="solid"/>
+                    </a:lnL>
+                    <a:lnR w="12700" cmpd="sng">
+                      <a:noFill/>
+                      <a:prstDash val="solid"/>
+                    </a:lnR>
+                    <a:lnT w="12700" cmpd="sng">
+                      <a:noFill/>
+                      <a:prstDash val="solid"/>
+                    </a:lnT>
+                    <a:lnB w="12700" cmpd="sng">
+                      <a:noFill/>
+                      <a:prstDash val="solid"/>
+                    </a:lnB>
+                    <a:noFill/>
+                  </a:tcPr>
+                </a:tc>
+                <a:tc>
+                  <a:txBody>
+                    <a:bodyPr/>
+                    <a:lstStyle/>
+                    <a:p>
+                      <a:r>
+                        <a:rPr lang="en-US" sz="1100" cap="none" spc="0">
+                          <a:solidFill>
+                            <a:schemeClr val="tx1"/>
+                          </a:solidFill>
+                          <a:effectLst/>
+                        </a:rPr>
+                        <a:t>Maggie's Leap </a:t>
+                      </a:r>
+                    </a:p>
+                  </a:txBody>
+                  <a:tcPr marL="119833" marR="119833" marT="119833" marB="119833" anchor="ctr">
+                    <a:lnL w="12700" cmpd="sng">
+                      <a:noFill/>
+                      <a:prstDash val="solid"/>
+                    </a:lnL>
+                    <a:lnR w="12700" cmpd="sng">
+                      <a:noFill/>
+                      <a:prstDash val="solid"/>
+                    </a:lnR>
+                    <a:lnT w="12700" cmpd="sng">
+                      <a:noFill/>
+                      <a:prstDash val="solid"/>
+                    </a:lnT>
+                    <a:lnB w="12700" cmpd="sng">
+                      <a:noFill/>
+                      <a:prstDash val="solid"/>
+                    </a:lnB>
+                    <a:noFill/>
+                  </a:tcPr>
+                </a:tc>
+                <a:tc>
+                  <a:txBody>
+                    <a:bodyPr/>
+                    <a:lstStyle/>
+                    <a:p>
+                      <a:r>
+                        <a:rPr lang="en-US" sz="1100" cap="none" spc="0">
+                          <a:solidFill>
+                            <a:schemeClr val="tx1"/>
+                          </a:solidFill>
+                          <a:effectLst/>
+                        </a:rPr>
+                        <a:t>0.049 </a:t>
+                      </a:r>
+                    </a:p>
+                  </a:txBody>
+                  <a:tcPr marL="119833" marR="119833" marT="119833" marB="119833" anchor="ctr">
+                    <a:lnL w="12700" cmpd="sng">
+                      <a:noFill/>
+                      <a:prstDash val="solid"/>
+                    </a:lnL>
+                    <a:lnR w="12700" cmpd="sng">
+                      <a:noFill/>
+                      <a:prstDash val="solid"/>
+                    </a:lnR>
+                    <a:lnT w="12700" cmpd="sng">
+                      <a:noFill/>
+                      <a:prstDash val="solid"/>
+                    </a:lnT>
+                    <a:lnB w="12700" cmpd="sng">
+                      <a:noFill/>
+                      <a:prstDash val="solid"/>
+                    </a:lnB>
+                    <a:noFill/>
+                  </a:tcPr>
+                </a:tc>
+                <a:tc>
+                  <a:txBody>
+                    <a:bodyPr/>
+                    <a:lstStyle/>
+                    <a:p>
+                      <a:r>
+                        <a:rPr lang="en-US" sz="1100" cap="none" spc="0">
+                          <a:solidFill>
+                            <a:schemeClr val="tx1"/>
+                          </a:solidFill>
+                          <a:effectLst/>
+                        </a:rPr>
+                        <a:t>26 </a:t>
+                      </a:r>
+                    </a:p>
+                  </a:txBody>
+                  <a:tcPr marL="119833" marR="119833" marT="119833" marB="119833" anchor="ctr">
+                    <a:lnL w="12700" cmpd="sng">
+                      <a:noFill/>
+                      <a:prstDash val="solid"/>
+                    </a:lnL>
+                    <a:lnR w="12700" cmpd="sng">
+                      <a:noFill/>
+                      <a:prstDash val="solid"/>
+                    </a:lnR>
+                    <a:lnT w="12700" cmpd="sng">
+                      <a:noFill/>
+                      <a:prstDash val="solid"/>
+                    </a:lnT>
+                    <a:lnB w="12700" cmpd="sng">
+                      <a:noFill/>
+                      <a:prstDash val="solid"/>
+                    </a:lnB>
+                    <a:noFill/>
+                  </a:tcPr>
+                </a:tc>
+                <a:tc>
+                  <a:txBody>
+                    <a:bodyPr/>
+                    <a:lstStyle/>
+                    <a:p>
+                      <a:r>
+                        <a:rPr lang="en-US" sz="1100" cap="none" spc="0">
+                          <a:solidFill>
+                            <a:schemeClr val="tx1"/>
+                          </a:solidFill>
+                          <a:effectLst/>
+                        </a:rPr>
+                        <a:t>Milk / Sweet Stout </a:t>
+                      </a:r>
+                    </a:p>
+                  </a:txBody>
+                  <a:tcPr marL="119833" marR="119833" marT="119833" marB="119833" anchor="ctr">
+                    <a:lnL w="12700" cmpd="sng">
+                      <a:noFill/>
+                      <a:prstDash val="solid"/>
+                    </a:lnL>
+                    <a:lnR w="12700" cmpd="sng">
+                      <a:noFill/>
+                      <a:prstDash val="solid"/>
+                    </a:lnR>
+                    <a:lnT w="12700" cmpd="sng">
+                      <a:noFill/>
+                      <a:prstDash val="solid"/>
+                    </a:lnT>
+                    <a:lnB w="12700" cmpd="sng">
+                      <a:noFill/>
+                      <a:prstDash val="solid"/>
+                    </a:lnB>
+                    <a:noFill/>
+                  </a:tcPr>
+                </a:tc>
+                <a:tc>
+                  <a:txBody>
+                    <a:bodyPr/>
+                    <a:lstStyle/>
+                    <a:p>
+                      <a:r>
+                        <a:rPr lang="en-US" sz="1100" cap="none" spc="0">
+                          <a:solidFill>
+                            <a:schemeClr val="tx1"/>
+                          </a:solidFill>
+                          <a:effectLst/>
+                        </a:rPr>
+                        <a:t>16 </a:t>
+                      </a:r>
+                    </a:p>
+                  </a:txBody>
+                  <a:tcPr marL="119833" marR="119833" marT="119833" marB="119833" anchor="ctr">
+                    <a:lnL w="12700" cmpd="sng">
+                      <a:noFill/>
+                      <a:prstDash val="solid"/>
+                    </a:lnL>
+                    <a:lnR w="12700" cmpd="sng">
+                      <a:noFill/>
+                      <a:prstDash val="solid"/>
+                    </a:lnR>
+                    <a:lnT w="12700" cmpd="sng">
+                      <a:noFill/>
+                      <a:prstDash val="solid"/>
+                    </a:lnT>
+                    <a:lnB w="12700" cmpd="sng">
+                      <a:noFill/>
+                      <a:prstDash val="solid"/>
+                    </a:lnB>
+                    <a:noFill/>
+                  </a:tcPr>
+                </a:tc>
+                <a:extLst>
+                  <a:ext uri="{0D108BD9-81ED-4DB2-BD59-A6C34878D82A}">
+                    <a16:rowId xmlns:a16="http://schemas.microsoft.com/office/drawing/2014/main" val="1116975355"/>
+                  </a:ext>
+                </a:extLst>
+              </a:tr>
+              <a:tr h="444714">
+                <a:tc>
+                  <a:txBody>
+                    <a:bodyPr/>
+                    <a:lstStyle/>
+                    <a:p>
+                      <a:r>
+                        <a:rPr lang="en-US" sz="1100" cap="none" spc="0" dirty="0" err="1">
+                          <a:solidFill>
+                            <a:schemeClr val="tx1"/>
+                          </a:solidFill>
+                          <a:effectLst/>
+                        </a:rPr>
+                        <a:t>NorthGate</a:t>
+                      </a:r>
+                      <a:r>
+                        <a:rPr lang="en-US" sz="1100" cap="none" spc="0" dirty="0">
+                          <a:solidFill>
+                            <a:schemeClr val="tx1"/>
+                          </a:solidFill>
+                          <a:effectLst/>
+                        </a:rPr>
+                        <a:t> Brewing </a:t>
+                      </a:r>
+                    </a:p>
+                  </a:txBody>
+                  <a:tcPr marL="119833" marR="119833" marT="119833" marB="119833" anchor="ctr">
+                    <a:lnL w="12700" cmpd="sng">
+                      <a:noFill/>
+                      <a:prstDash val="solid"/>
+                    </a:lnL>
+                    <a:lnR w="12700" cmpd="sng">
+                      <a:noFill/>
+                      <a:prstDash val="solid"/>
+                    </a:lnR>
+                    <a:lnT w="12700" cmpd="sng">
+                      <a:noFill/>
+                      <a:prstDash val="solid"/>
+                    </a:lnT>
+                    <a:lnB w="12700" cmpd="sng">
+                      <a:noFill/>
+                      <a:prstDash val="solid"/>
+                    </a:lnB>
+                    <a:solidFill>
+                      <a:srgbClr val="000000">
+                        <a:alpha val="7843"/>
+                      </a:srgbClr>
+                    </a:solidFill>
+                  </a:tcPr>
+                </a:tc>
+                <a:tc>
+                  <a:txBody>
+                    <a:bodyPr/>
+                    <a:lstStyle/>
+                    <a:p>
+                      <a:r>
+                        <a:rPr lang="en-US" sz="1100" cap="none" spc="0">
+                          <a:solidFill>
+                            <a:schemeClr val="tx1"/>
+                          </a:solidFill>
+                          <a:effectLst/>
+                        </a:rPr>
+                        <a:t>Minneapolis </a:t>
+                      </a:r>
+                    </a:p>
+                  </a:txBody>
+                  <a:tcPr marL="119833" marR="119833" marT="119833" marB="119833" anchor="ctr">
+                    <a:lnL w="12700" cmpd="sng">
+                      <a:noFill/>
+                      <a:prstDash val="solid"/>
+                    </a:lnL>
+                    <a:lnR w="12700" cmpd="sng">
+                      <a:noFill/>
+                      <a:prstDash val="solid"/>
+                    </a:lnR>
+                    <a:lnT w="12700" cmpd="sng">
+                      <a:noFill/>
+                      <a:prstDash val="solid"/>
+                    </a:lnT>
+                    <a:lnB w="12700" cmpd="sng">
+                      <a:noFill/>
+                      <a:prstDash val="solid"/>
+                    </a:lnB>
+                    <a:solidFill>
+                      <a:srgbClr val="000000">
+                        <a:alpha val="7843"/>
+                      </a:srgbClr>
+                    </a:solidFill>
+                  </a:tcPr>
+                </a:tc>
+                <a:tc>
+                  <a:txBody>
+                    <a:bodyPr/>
+                    <a:lstStyle/>
+                    <a:p>
+                      <a:r>
+                        <a:rPr lang="en-US" sz="1100" cap="none" spc="0">
+                          <a:solidFill>
+                            <a:schemeClr val="tx1"/>
+                          </a:solidFill>
+                          <a:effectLst/>
+                        </a:rPr>
+                        <a:t>MN </a:t>
+                      </a:r>
+                    </a:p>
+                  </a:txBody>
+                  <a:tcPr marL="119833" marR="119833" marT="119833" marB="119833" anchor="ctr">
+                    <a:lnL w="12700" cmpd="sng">
+                      <a:noFill/>
+                      <a:prstDash val="solid"/>
+                    </a:lnL>
+                    <a:lnR w="12700" cmpd="sng">
+                      <a:noFill/>
+                      <a:prstDash val="solid"/>
+                    </a:lnR>
+                    <a:lnT w="12700" cmpd="sng">
+                      <a:noFill/>
+                      <a:prstDash val="solid"/>
+                    </a:lnT>
+                    <a:lnB w="12700" cmpd="sng">
+                      <a:noFill/>
+                      <a:prstDash val="solid"/>
+                    </a:lnB>
+                    <a:solidFill>
+                      <a:srgbClr val="000000">
+                        <a:alpha val="7843"/>
+                      </a:srgbClr>
+                    </a:solidFill>
+                  </a:tcPr>
+                </a:tc>
+                <a:tc>
+                  <a:txBody>
+                    <a:bodyPr/>
+                    <a:lstStyle/>
+                    <a:p>
+                      <a:r>
+                        <a:rPr lang="en-US" sz="1100" cap="none" spc="0">
+                          <a:solidFill>
+                            <a:schemeClr val="tx1"/>
+                          </a:solidFill>
+                          <a:effectLst/>
+                        </a:rPr>
+                        <a:t>Wall's End </a:t>
+                      </a:r>
+                    </a:p>
+                  </a:txBody>
+                  <a:tcPr marL="119833" marR="119833" marT="119833" marB="119833" anchor="ctr">
+                    <a:lnL w="12700" cmpd="sng">
+                      <a:noFill/>
+                      <a:prstDash val="solid"/>
+                    </a:lnL>
+                    <a:lnR w="12700" cmpd="sng">
+                      <a:noFill/>
+                      <a:prstDash val="solid"/>
+                    </a:lnR>
+                    <a:lnT w="12700" cmpd="sng">
+                      <a:noFill/>
+                      <a:prstDash val="solid"/>
+                    </a:lnT>
+                    <a:lnB w="12700" cmpd="sng">
+                      <a:noFill/>
+                      <a:prstDash val="solid"/>
+                    </a:lnB>
+                    <a:solidFill>
+                      <a:srgbClr val="000000">
+                        <a:alpha val="7843"/>
+                      </a:srgbClr>
+                    </a:solidFill>
+                  </a:tcPr>
+                </a:tc>
+                <a:tc>
+                  <a:txBody>
+                    <a:bodyPr/>
+                    <a:lstStyle/>
+                    <a:p>
+                      <a:r>
+                        <a:rPr lang="en-US" sz="1100" cap="none" spc="0">
+                          <a:solidFill>
+                            <a:schemeClr val="tx1"/>
+                          </a:solidFill>
+                          <a:effectLst/>
+                        </a:rPr>
+                        <a:t>0.048 </a:t>
+                      </a:r>
+                    </a:p>
+                  </a:txBody>
+                  <a:tcPr marL="119833" marR="119833" marT="119833" marB="119833" anchor="ctr">
+                    <a:lnL w="12700" cmpd="sng">
+                      <a:noFill/>
+                      <a:prstDash val="solid"/>
+                    </a:lnL>
+                    <a:lnR w="12700" cmpd="sng">
+                      <a:noFill/>
+                      <a:prstDash val="solid"/>
+                    </a:lnR>
+                    <a:lnT w="12700" cmpd="sng">
+                      <a:noFill/>
+                      <a:prstDash val="solid"/>
+                    </a:lnT>
+                    <a:lnB w="12700" cmpd="sng">
+                      <a:noFill/>
+                      <a:prstDash val="solid"/>
+                    </a:lnB>
+                    <a:solidFill>
+                      <a:srgbClr val="000000">
+                        <a:alpha val="7843"/>
+                      </a:srgbClr>
+                    </a:solidFill>
+                  </a:tcPr>
+                </a:tc>
+                <a:tc>
+                  <a:txBody>
+                    <a:bodyPr/>
+                    <a:lstStyle/>
+                    <a:p>
+                      <a:r>
+                        <a:rPr lang="en-US" sz="1100" cap="none" spc="0">
+                          <a:solidFill>
+                            <a:schemeClr val="tx1"/>
+                          </a:solidFill>
+                          <a:effectLst/>
+                        </a:rPr>
+                        <a:t>19 </a:t>
+                      </a:r>
+                    </a:p>
+                  </a:txBody>
+                  <a:tcPr marL="119833" marR="119833" marT="119833" marB="119833" anchor="ctr">
+                    <a:lnL w="12700" cmpd="sng">
+                      <a:noFill/>
+                      <a:prstDash val="solid"/>
+                    </a:lnL>
+                    <a:lnR w="12700" cmpd="sng">
+                      <a:noFill/>
+                      <a:prstDash val="solid"/>
+                    </a:lnR>
+                    <a:lnT w="12700" cmpd="sng">
+                      <a:noFill/>
+                      <a:prstDash val="solid"/>
+                    </a:lnT>
+                    <a:lnB w="12700" cmpd="sng">
+                      <a:noFill/>
+                      <a:prstDash val="solid"/>
+                    </a:lnB>
+                    <a:solidFill>
+                      <a:srgbClr val="000000">
+                        <a:alpha val="7843"/>
+                      </a:srgbClr>
+                    </a:solidFill>
+                  </a:tcPr>
+                </a:tc>
+                <a:tc>
+                  <a:txBody>
+                    <a:bodyPr/>
+                    <a:lstStyle/>
+                    <a:p>
+                      <a:r>
+                        <a:rPr lang="en-US" sz="1100" cap="none" spc="0">
+                          <a:solidFill>
+                            <a:schemeClr val="tx1"/>
+                          </a:solidFill>
+                          <a:effectLst/>
+                        </a:rPr>
+                        <a:t>English Brown Ale </a:t>
+                      </a:r>
+                    </a:p>
+                  </a:txBody>
+                  <a:tcPr marL="119833" marR="119833" marT="119833" marB="119833" anchor="ctr">
+                    <a:lnL w="12700" cmpd="sng">
+                      <a:noFill/>
+                      <a:prstDash val="solid"/>
+                    </a:lnL>
+                    <a:lnR w="12700" cmpd="sng">
+                      <a:noFill/>
+                      <a:prstDash val="solid"/>
+                    </a:lnR>
+                    <a:lnT w="12700" cmpd="sng">
+                      <a:noFill/>
+                      <a:prstDash val="solid"/>
+                    </a:lnT>
+                    <a:lnB w="12700" cmpd="sng">
+                      <a:noFill/>
+                      <a:prstDash val="solid"/>
+                    </a:lnB>
+                    <a:solidFill>
+                      <a:srgbClr val="000000">
+                        <a:alpha val="7843"/>
+                      </a:srgbClr>
+                    </a:solidFill>
+                  </a:tcPr>
+                </a:tc>
+                <a:tc>
+                  <a:txBody>
+                    <a:bodyPr/>
+                    <a:lstStyle/>
+                    <a:p>
+                      <a:endParaRPr lang="en-US" sz="1100" cap="none" spc="0" dirty="0">
+                        <a:solidFill>
+                          <a:schemeClr val="tx1"/>
+                        </a:solidFill>
+                      </a:endParaRPr>
+                    </a:p>
+                  </a:txBody>
+                  <a:tcPr marL="119833" marR="119833" marT="119833" marB="119833">
+                    <a:lnL w="12700" cmpd="sng">
+                      <a:noFill/>
+                      <a:prstDash val="solid"/>
+                    </a:lnL>
+                    <a:lnR w="12700" cmpd="sng">
+                      <a:noFill/>
+                      <a:prstDash val="solid"/>
+                    </a:lnR>
+                    <a:lnT w="12700" cmpd="sng">
+                      <a:noFill/>
+                      <a:prstDash val="solid"/>
+                    </a:lnT>
+                    <a:lnB w="12700" cmpd="sng">
+                      <a:noFill/>
+                      <a:prstDash val="solid"/>
+                    </a:lnB>
+                    <a:solidFill>
+                      <a:srgbClr val="000000">
+                        <a:alpha val="7843"/>
+                      </a:srgbClr>
+                    </a:solidFill>
+                  </a:tcPr>
+                </a:tc>
+                <a:extLst>
+                  <a:ext uri="{0D108BD9-81ED-4DB2-BD59-A6C34878D82A}">
+                    <a16:rowId xmlns:a16="http://schemas.microsoft.com/office/drawing/2014/main" val="3747854724"/>
+                  </a:ext>
+                </a:extLst>
+              </a:tr>
+            </a:tbl>
+          </a:graphicData>
+        </a:graphic>
+      </p:graphicFrame>
+      <p:sp>
+        <p:nvSpPr>
+          <p:cNvPr id="9" name="TextBox 8">
+            <a:extLst>
+              <a:ext uri="{FF2B5EF4-FFF2-40B4-BE49-F238E27FC236}">
+                <a16:creationId xmlns:a16="http://schemas.microsoft.com/office/drawing/2014/main" id="{B6B9F91D-EB36-40E1-AC01-36BDD1DABFCD}"/>
+              </a:ext>
+            </a:extLst>
+          </p:cNvPr>
+          <p:cNvSpPr txBox="1"/>
+          <p:nvPr/>
+        </p:nvSpPr>
+        <p:spPr>
+          <a:xfrm>
+            <a:off x="1215874" y="99645"/>
+            <a:ext cx="1195685" cy="369332"/>
+          </a:xfrm>
+          <a:prstGeom prst="rect">
+            <a:avLst/>
+          </a:prstGeom>
+          <a:noFill/>
+        </p:spPr>
+        <p:txBody>
+          <a:bodyPr wrap="square" rtlCol="0">
+            <a:spAutoFit/>
+          </a:bodyPr>
+          <a:lstStyle/>
+          <a:p>
+            <a:r>
+              <a:rPr lang="en-US" dirty="0"/>
+              <a:t>Table 1</a:t>
+            </a:r>
+          </a:p>
+        </p:txBody>
+      </p:sp>
+    </p:spTree>
+    <p:extLst>
+      <p:ext uri="{BB962C8B-B14F-4D97-AF65-F5344CB8AC3E}">
+        <p14:creationId xmlns:p14="http://schemas.microsoft.com/office/powerpoint/2010/main" val="1344769285"/>
+      </p:ext>
+    </p:extLst>
+  </p:cSld>
+  <p:clrMapOvr>
+    <a:masterClrMapping/>
+  </p:clrMapOvr>
+</p:sld>
+</file>
+
+<file path=ppt/slides/slide6.xml><?xml version="1.0" encoding="utf-8"?>
 <p:sld xmlns:a="http://schemas.openxmlformats.org/drawingml/2006/main" xmlns:r="http://schemas.openxmlformats.org/officeDocument/2006/relationships" xmlns:p="http://schemas.openxmlformats.org/presentationml/2006/main">
   <p:cSld>
     <p:bg>
@@ -7646,132 +9854,6 @@
           <a:chExt cx="0" cy="0"/>
         </a:xfrm>
       </p:grpSpPr>
-      <p:sp>
-        <p:nvSpPr>
-          <p:cNvPr id="18" name="Rectangle 17">
-            <a:extLst>
-              <a:ext uri="{FF2B5EF4-FFF2-40B4-BE49-F238E27FC236}">
-                <a16:creationId xmlns:a16="http://schemas.microsoft.com/office/drawing/2014/main" id="{6753252F-4873-4F63-801D-CC719279A7D5}"/>
-              </a:ext>
-              <a:ext uri="{C183D7F6-B498-43B3-948B-1728B52AA6E4}">
-                <adec:decorative xmlns:adec="http://schemas.microsoft.com/office/drawing/2017/decorative" val="1"/>
-              </a:ext>
-            </a:extLst>
-          </p:cNvPr>
-          <p:cNvSpPr>
-            <a:spLocks noGrp="1" noRot="1" noChangeAspect="1" noMove="1" noResize="1" noEditPoints="1" noAdjustHandles="1" noChangeArrowheads="1" noChangeShapeType="1" noTextEdit="1"/>
-          </p:cNvSpPr>
-          <p:nvPr>
-            <p:extLst>
-              <p:ext uri="{386F3935-93C4-4BCD-93E2-E3B085C9AB24}">
-                <p16:designElem xmlns:p16="http://schemas.microsoft.com/office/powerpoint/2015/main" val="1"/>
-              </p:ext>
-            </p:extLst>
-          </p:nvPr>
-        </p:nvSpPr>
-        <p:spPr>
-          <a:xfrm>
-            <a:off x="0" y="0"/>
-            <a:ext cx="12192000" cy="6858000"/>
-          </a:xfrm>
-          <a:prstGeom prst="rect">
-            <a:avLst/>
-          </a:prstGeom>
-          <a:solidFill>
-            <a:srgbClr val="FFFFFF"/>
-          </a:solidFill>
-          <a:ln>
-            <a:noFill/>
-          </a:ln>
-        </p:spPr>
-        <p:style>
-          <a:lnRef idx="2">
-            <a:schemeClr val="accent1">
-              <a:shade val="50000"/>
-            </a:schemeClr>
-          </a:lnRef>
-          <a:fillRef idx="1">
-            <a:schemeClr val="accent1"/>
-          </a:fillRef>
-          <a:effectRef idx="0">
-            <a:schemeClr val="accent1"/>
-          </a:effectRef>
-          <a:fontRef idx="minor">
-            <a:schemeClr val="lt1"/>
-          </a:fontRef>
-        </p:style>
-        <p:txBody>
-          <a:bodyPr rtlCol="0" anchor="ctr"/>
-          <a:lstStyle/>
-          <a:p>
-            <a:pPr algn="ctr"/>
-            <a:endParaRPr lang="en-US"/>
-          </a:p>
-        </p:txBody>
-      </p:sp>
-      <p:sp>
-        <p:nvSpPr>
-          <p:cNvPr id="20" name="Rectangle 19">
-            <a:extLst>
-              <a:ext uri="{FF2B5EF4-FFF2-40B4-BE49-F238E27FC236}">
-                <a16:creationId xmlns:a16="http://schemas.microsoft.com/office/drawing/2014/main" id="{047C8CCB-F95D-4249-92DD-651249D3535A}"/>
-              </a:ext>
-              <a:ext uri="{C183D7F6-B498-43B3-948B-1728B52AA6E4}">
-                <adec:decorative xmlns:adec="http://schemas.microsoft.com/office/drawing/2017/decorative" val="1"/>
-              </a:ext>
-            </a:extLst>
-          </p:cNvPr>
-          <p:cNvSpPr>
-            <a:spLocks noGrp="1" noRot="1" noChangeAspect="1" noMove="1" noResize="1" noEditPoints="1" noAdjustHandles="1" noChangeArrowheads="1" noChangeShapeType="1" noTextEdit="1"/>
-          </p:cNvSpPr>
-          <p:nvPr>
-            <p:extLst>
-              <p:ext uri="{386F3935-93C4-4BCD-93E2-E3B085C9AB24}">
-                <p16:designElem xmlns:p16="http://schemas.microsoft.com/office/powerpoint/2015/main" val="1"/>
-              </p:ext>
-            </p:extLst>
-          </p:nvPr>
-        </p:nvSpPr>
-        <p:spPr>
-          <a:xfrm>
-            <a:off x="0" y="0"/>
-            <a:ext cx="2013557" cy="6858000"/>
-          </a:xfrm>
-          <a:prstGeom prst="rect">
-            <a:avLst/>
-          </a:prstGeom>
-          <a:solidFill>
-            <a:srgbClr val="7F7F7F"/>
-          </a:solidFill>
-          <a:ln>
-            <a:noFill/>
-          </a:ln>
-        </p:spPr>
-        <p:style>
-          <a:lnRef idx="2">
-            <a:schemeClr val="accent1">
-              <a:shade val="50000"/>
-            </a:schemeClr>
-          </a:lnRef>
-          <a:fillRef idx="1">
-            <a:schemeClr val="accent1"/>
-          </a:fillRef>
-          <a:effectRef idx="0">
-            <a:schemeClr val="accent1"/>
-          </a:effectRef>
-          <a:fontRef idx="minor">
-            <a:schemeClr val="lt1"/>
-          </a:fontRef>
-        </p:style>
-        <p:txBody>
-          <a:bodyPr rtlCol="0" anchor="ctr"/>
-          <a:lstStyle/>
-          <a:p>
-            <a:pPr algn="ctr"/>
-            <a:endParaRPr lang="en-US"/>
-          </a:p>
-        </p:txBody>
-      </p:sp>
       <p:sp>
         <p:nvSpPr>
           <p:cNvPr id="2" name="Title 1">
@@ -7917,7 +9999,7 @@
 </p:sld>
 </file>
 
-<file path=ppt/slides/slide6.xml><?xml version="1.0" encoding="utf-8"?>
+<file path=ppt/slides/slide7.xml><?xml version="1.0" encoding="utf-8"?>
 <p:sld xmlns:a="http://schemas.openxmlformats.org/drawingml/2006/main" xmlns:r="http://schemas.openxmlformats.org/officeDocument/2006/relationships" xmlns:p="http://schemas.openxmlformats.org/presentationml/2006/main">
   <p:cSld>
     <p:bg>
@@ -8025,7 +10107,7 @@
 </p:sld>
 </file>
 
-<file path=ppt/slides/slide7.xml><?xml version="1.0" encoding="utf-8"?>
+<file path=ppt/slides/slide8.xml><?xml version="1.0" encoding="utf-8"?>
 <p:sld xmlns:a="http://schemas.openxmlformats.org/drawingml/2006/main" xmlns:r="http://schemas.openxmlformats.org/officeDocument/2006/relationships" xmlns:p="http://schemas.openxmlformats.org/presentationml/2006/main">
   <p:cSld>
     <p:bg>
@@ -8135,7 +10217,7 @@
 </p:sld>
 </file>
 
-<file path=ppt/slides/slide8.xml><?xml version="1.0" encoding="utf-8"?>
+<file path=ppt/slides/slide9.xml><?xml version="1.0" encoding="utf-8"?>
 <p:sld xmlns:a="http://schemas.openxmlformats.org/drawingml/2006/main" xmlns:r="http://schemas.openxmlformats.org/officeDocument/2006/relationships" xmlns:p="http://schemas.openxmlformats.org/presentationml/2006/main">
   <p:cSld>
     <p:spTree>
@@ -8692,373 +10774,10 @@
 </p:sld>
 </file>
 
-<file path=ppt/slides/slide9.xml><?xml version="1.0" encoding="utf-8"?>
-<p:sld xmlns:a="http://schemas.openxmlformats.org/drawingml/2006/main" xmlns:r="http://schemas.openxmlformats.org/officeDocument/2006/relationships" xmlns:p="http://schemas.openxmlformats.org/presentationml/2006/main">
-  <p:cSld>
-    <p:bg>
-      <p:bgPr>
-        <a:solidFill>
-          <a:schemeClr val="bg1"/>
-        </a:solidFill>
-        <a:effectLst/>
-      </p:bgPr>
-    </p:bg>
-    <p:spTree>
-      <p:nvGrpSpPr>
-        <p:cNvPr id="1" name=""/>
-        <p:cNvGrpSpPr/>
-        <p:nvPr/>
-      </p:nvGrpSpPr>
-      <p:grpSpPr>
-        <a:xfrm>
-          <a:off x="0" y="0"/>
-          <a:ext cx="0" cy="0"/>
-          <a:chOff x="0" y="0"/>
-          <a:chExt cx="0" cy="0"/>
-        </a:xfrm>
-      </p:grpSpPr>
-      <p:sp>
-        <p:nvSpPr>
-          <p:cNvPr id="17" name="Rectangle 16">
-            <a:extLst>
-              <a:ext uri="{FF2B5EF4-FFF2-40B4-BE49-F238E27FC236}">
-                <a16:creationId xmlns:a16="http://schemas.microsoft.com/office/drawing/2014/main" id="{4038CB10-1F5C-4D54-9DF7-12586DE5B007}"/>
-              </a:ext>
-              <a:ext uri="{C183D7F6-B498-43B3-948B-1728B52AA6E4}">
-                <adec:decorative xmlns:adec="http://schemas.microsoft.com/office/drawing/2017/decorative" val="1"/>
-              </a:ext>
-            </a:extLst>
-          </p:cNvPr>
-          <p:cNvSpPr>
-            <a:spLocks noGrp="1" noRot="1" noChangeAspect="1" noMove="1" noResize="1" noEditPoints="1" noAdjustHandles="1" noChangeArrowheads="1" noChangeShapeType="1" noTextEdit="1"/>
-          </p:cNvSpPr>
-          <p:nvPr>
-            <p:extLst>
-              <p:ext uri="{386F3935-93C4-4BCD-93E2-E3B085C9AB24}">
-                <p16:designElem xmlns:p16="http://schemas.microsoft.com/office/powerpoint/2015/main" val="1"/>
-              </p:ext>
-            </p:extLst>
-          </p:nvPr>
-        </p:nvSpPr>
-        <p:spPr>
-          <a:xfrm>
-            <a:off x="327546" y="4572000"/>
-            <a:ext cx="7058307" cy="1964266"/>
-          </a:xfrm>
-          <a:prstGeom prst="rect">
-            <a:avLst/>
-          </a:prstGeom>
-          <a:solidFill>
-            <a:schemeClr val="accent1"/>
-          </a:solidFill>
-          <a:ln>
-            <a:noFill/>
-          </a:ln>
-        </p:spPr>
-        <p:style>
-          <a:lnRef idx="2">
-            <a:schemeClr val="accent1">
-              <a:shade val="50000"/>
-            </a:schemeClr>
-          </a:lnRef>
-          <a:fillRef idx="1">
-            <a:schemeClr val="accent1"/>
-          </a:fillRef>
-          <a:effectRef idx="0">
-            <a:schemeClr val="accent1"/>
-          </a:effectRef>
-          <a:fontRef idx="minor">
-            <a:schemeClr val="lt1"/>
-          </a:fontRef>
-        </p:style>
-        <p:txBody>
-          <a:bodyPr rtlCol="0" anchor="ctr"/>
-          <a:lstStyle/>
-          <a:p>
-            <a:pPr marL="0" marR="0" lvl="0" indent="0" algn="ctr" defTabSz="914400" rtl="0" eaLnBrk="1" fontAlgn="auto" latinLnBrk="0" hangingPunct="1">
-              <a:lnSpc>
-                <a:spcPct val="100000"/>
-              </a:lnSpc>
-              <a:spcBef>
-                <a:spcPts val="0"/>
-              </a:spcBef>
-              <a:spcAft>
-                <a:spcPts val="0"/>
-              </a:spcAft>
-              <a:buClrTx/>
-              <a:buSzTx/>
-              <a:buFontTx/>
-              <a:buNone/>
-              <a:tabLst/>
-              <a:defRPr/>
-            </a:pPr>
-            <a:endParaRPr kumimoji="0" lang="en-US" sz="1800" b="0" i="0" u="none" strike="noStrike" kern="1200" cap="none" spc="0" normalizeH="0" baseline="0" noProof="0">
-              <a:ln>
-                <a:noFill/>
-              </a:ln>
-              <a:solidFill>
-                <a:prstClr val="white"/>
-              </a:solidFill>
-              <a:effectLst/>
-              <a:uLnTx/>
-              <a:uFillTx/>
-              <a:latin typeface="Calibri" panose="020F0502020204030204"/>
-              <a:ea typeface="+mn-ea"/>
-              <a:cs typeface="+mn-cs"/>
-            </a:endParaRPr>
-          </a:p>
-        </p:txBody>
-      </p:sp>
-      <p:sp>
-        <p:nvSpPr>
-          <p:cNvPr id="2" name="Title 1">
-            <a:extLst>
-              <a:ext uri="{FF2B5EF4-FFF2-40B4-BE49-F238E27FC236}">
-                <a16:creationId xmlns:a16="http://schemas.microsoft.com/office/drawing/2014/main" id="{76FF5B3E-E716-4CF5-B4C6-CEB93E529EDF}"/>
-              </a:ext>
-            </a:extLst>
-          </p:cNvPr>
-          <p:cNvSpPr>
-            <a:spLocks noGrp="1"/>
-          </p:cNvSpPr>
-          <p:nvPr>
-            <p:ph type="title"/>
-          </p:nvPr>
-        </p:nvSpPr>
-        <p:spPr>
-          <a:xfrm>
-            <a:off x="524256" y="4767072"/>
-            <a:ext cx="6594189" cy="1625210"/>
-          </a:xfrm>
-        </p:spPr>
-        <p:txBody>
-          <a:bodyPr vert="horz" lIns="91440" tIns="45720" rIns="91440" bIns="45720" rtlCol="0" anchor="ctr">
-            <a:normAutofit/>
-          </a:bodyPr>
-          <a:lstStyle/>
-          <a:p>
-            <a:pPr algn="r"/>
-            <a:r>
-              <a:rPr lang="en-US" sz="4400" b="1" dirty="0">
-                <a:solidFill>
-                  <a:srgbClr val="FFFFFF"/>
-                </a:solidFill>
-              </a:rPr>
-              <a:t>Summary of Alcohol by Volume</a:t>
-            </a:r>
-          </a:p>
-        </p:txBody>
-      </p:sp>
-      <p:sp>
-        <p:nvSpPr>
-          <p:cNvPr id="19" name="Rectangle 18">
-            <a:extLst>
-              <a:ext uri="{FF2B5EF4-FFF2-40B4-BE49-F238E27FC236}">
-                <a16:creationId xmlns:a16="http://schemas.microsoft.com/office/drawing/2014/main" id="{73ED6512-6858-4552-B699-9A97FE9A4EA2}"/>
-              </a:ext>
-              <a:ext uri="{C183D7F6-B498-43B3-948B-1728B52AA6E4}">
-                <adec:decorative xmlns:adec="http://schemas.microsoft.com/office/drawing/2017/decorative" val="1"/>
-              </a:ext>
-            </a:extLst>
-          </p:cNvPr>
-          <p:cNvSpPr>
-            <a:spLocks noGrp="1" noRot="1" noChangeAspect="1" noMove="1" noResize="1" noEditPoints="1" noAdjustHandles="1" noChangeArrowheads="1" noChangeShapeType="1" noTextEdit="1"/>
-          </p:cNvSpPr>
-          <p:nvPr>
-            <p:extLst>
-              <p:ext uri="{386F3935-93C4-4BCD-93E2-E3B085C9AB24}">
-                <p16:designElem xmlns:p16="http://schemas.microsoft.com/office/powerpoint/2015/main" val="1"/>
-              </p:ext>
-            </p:extLst>
-          </p:nvPr>
-        </p:nvSpPr>
-        <p:spPr>
-          <a:xfrm>
-            <a:off x="7534655" y="321732"/>
-            <a:ext cx="4335613" cy="6214534"/>
-          </a:xfrm>
-          <a:prstGeom prst="rect">
-            <a:avLst/>
-          </a:prstGeom>
-          <a:solidFill>
-            <a:srgbClr val="404040"/>
-          </a:solidFill>
-          <a:ln>
-            <a:noFill/>
-          </a:ln>
-        </p:spPr>
-        <p:style>
-          <a:lnRef idx="2">
-            <a:schemeClr val="accent1">
-              <a:shade val="50000"/>
-            </a:schemeClr>
-          </a:lnRef>
-          <a:fillRef idx="1">
-            <a:schemeClr val="accent1"/>
-          </a:fillRef>
-          <a:effectRef idx="0">
-            <a:schemeClr val="accent1"/>
-          </a:effectRef>
-          <a:fontRef idx="minor">
-            <a:schemeClr val="lt1"/>
-          </a:fontRef>
-        </p:style>
-        <p:txBody>
-          <a:bodyPr rtlCol="0" anchor="ctr"/>
-          <a:lstStyle/>
-          <a:p>
-            <a:pPr marL="0" marR="0" lvl="0" indent="0" algn="ctr" defTabSz="914400" rtl="0" eaLnBrk="1" fontAlgn="auto" latinLnBrk="0" hangingPunct="1">
-              <a:lnSpc>
-                <a:spcPct val="100000"/>
-              </a:lnSpc>
-              <a:spcBef>
-                <a:spcPts val="0"/>
-              </a:spcBef>
-              <a:spcAft>
-                <a:spcPts val="0"/>
-              </a:spcAft>
-              <a:buClrTx/>
-              <a:buSzTx/>
-              <a:buFontTx/>
-              <a:buNone/>
-              <a:tabLst/>
-              <a:defRPr/>
-            </a:pPr>
-            <a:endParaRPr kumimoji="0" lang="en-US" sz="1800" b="0" i="0" u="none" strike="noStrike" kern="1200" cap="none" spc="0" normalizeH="0" baseline="0" noProof="0">
-              <a:ln>
-                <a:noFill/>
-              </a:ln>
-              <a:solidFill>
-                <a:prstClr val="white"/>
-              </a:solidFill>
-              <a:effectLst/>
-              <a:uLnTx/>
-              <a:uFillTx/>
-              <a:latin typeface="Calibri" panose="020F0502020204030204"/>
-              <a:ea typeface="+mn-ea"/>
-              <a:cs typeface="+mn-cs"/>
-            </a:endParaRPr>
-          </a:p>
-        </p:txBody>
-      </p:sp>
-      <p:sp>
-        <p:nvSpPr>
-          <p:cNvPr id="4" name="Text Placeholder 3">
-            <a:extLst>
-              <a:ext uri="{FF2B5EF4-FFF2-40B4-BE49-F238E27FC236}">
-                <a16:creationId xmlns:a16="http://schemas.microsoft.com/office/drawing/2014/main" id="{F60C4CF8-F295-471A-B3CB-1CE80D2C706C}"/>
-              </a:ext>
-            </a:extLst>
-          </p:cNvPr>
-          <p:cNvSpPr>
-            <a:spLocks noGrp="1"/>
-          </p:cNvSpPr>
-          <p:nvPr>
-            <p:ph type="body" sz="half" idx="2"/>
-          </p:nvPr>
-        </p:nvSpPr>
-        <p:spPr>
-          <a:xfrm>
-            <a:off x="8029319" y="917725"/>
-            <a:ext cx="3424739" cy="4852362"/>
-          </a:xfrm>
-        </p:spPr>
-        <p:txBody>
-          <a:bodyPr vert="horz" lIns="91440" tIns="45720" rIns="91440" bIns="45720" rtlCol="0" anchor="ctr">
-            <a:normAutofit/>
-          </a:bodyPr>
-          <a:lstStyle/>
-          <a:p>
-            <a:pPr indent="-228600">
-              <a:buFont typeface="Arial" panose="020B0604020202020204" pitchFamily="34" charset="0"/>
-              <a:buChar char="•"/>
-            </a:pPr>
-            <a:endParaRPr lang="en-US" sz="2000" dirty="0">
-              <a:solidFill>
-                <a:srgbClr val="FFFFFF"/>
-              </a:solidFill>
-            </a:endParaRPr>
-          </a:p>
-          <a:p>
-            <a:pPr indent="-228600">
-              <a:buFont typeface="Arial" panose="020B0604020202020204" pitchFamily="34" charset="0"/>
-              <a:buChar char="•"/>
-            </a:pPr>
-            <a:endParaRPr lang="en-US" sz="2000" dirty="0">
-              <a:solidFill>
-                <a:srgbClr val="FFFFFF"/>
-              </a:solidFill>
-            </a:endParaRPr>
-          </a:p>
-          <a:p>
-            <a:pPr indent="-228600">
-              <a:buFont typeface="Arial" panose="020B0604020202020204" pitchFamily="34" charset="0"/>
-              <a:buChar char="•"/>
-            </a:pPr>
-            <a:r>
-              <a:rPr lang="en-US" sz="2000" dirty="0">
-                <a:solidFill>
-                  <a:srgbClr val="FFFFFF"/>
-                </a:solidFill>
-              </a:rPr>
-              <a:t>This summary shows the minimum, the mean, median and maximum of alcohol by volume (ABV). In percentage they represent 1%, 5.6% , 5.9% and 12.8% by volume respectively. </a:t>
-            </a:r>
-          </a:p>
-        </p:txBody>
-      </p:sp>
-      <p:pic>
-        <p:nvPicPr>
-          <p:cNvPr id="5" name="Picture 4">
-            <a:extLst>
-              <a:ext uri="{FF2B5EF4-FFF2-40B4-BE49-F238E27FC236}">
-                <a16:creationId xmlns:a16="http://schemas.microsoft.com/office/drawing/2014/main" id="{3D128970-8D9A-4DD7-9AB1-845568C55496}"/>
-              </a:ext>
-            </a:extLst>
-          </p:cNvPr>
-          <p:cNvPicPr>
-            <a:picLocks noChangeAspect="1"/>
-          </p:cNvPicPr>
-          <p:nvPr/>
-        </p:nvPicPr>
-        <p:blipFill>
-          <a:blip r:embed="rId2">
-            <a:extLst>
-              <a:ext uri="{28A0092B-C50C-407E-A947-70E740481C1C}">
-                <a14:useLocalDpi xmlns:a14="http://schemas.microsoft.com/office/drawing/2010/main" val="0"/>
-              </a:ext>
-            </a:extLst>
-          </a:blip>
-          <a:stretch>
-            <a:fillRect/>
-          </a:stretch>
-        </p:blipFill>
-        <p:spPr>
-          <a:xfrm>
-            <a:off x="620950" y="0"/>
-            <a:ext cx="6400800" cy="4572000"/>
-          </a:xfrm>
-          <a:prstGeom prst="rect">
-            <a:avLst/>
-          </a:prstGeom>
-        </p:spPr>
-      </p:pic>
-    </p:spTree>
-    <p:extLst>
-      <p:ext uri="{BB962C8B-B14F-4D97-AF65-F5344CB8AC3E}">
-        <p14:creationId xmlns:p14="http://schemas.microsoft.com/office/powerpoint/2010/main" val="153092602"/>
-      </p:ext>
-    </p:extLst>
-  </p:cSld>
-  <p:clrMapOvr>
-    <a:masterClrMapping/>
-  </p:clrMapOvr>
-</p:sld>
-</file>
-
 <file path=ppt/theme/theme1.xml><?xml version="1.0" encoding="utf-8"?>
 <a:theme xmlns:a="http://schemas.openxmlformats.org/drawingml/2006/main" name="Office Theme">
   <a:themeElements>
-    <a:clrScheme name="Office">
+    <a:clrScheme name="Office Theme">
       <a:dk1>
         <a:sysClr val="windowText" lastClr="000000"/>
       </a:dk1>
@@ -9072,7 +10791,7 @@
         <a:srgbClr val="E7E6E6"/>
       </a:lt2>
       <a:accent1>
-        <a:srgbClr val="5B9BD5"/>
+        <a:srgbClr val="4472C4"/>
       </a:accent1>
       <a:accent2>
         <a:srgbClr val="ED7D31"/>
@@ -9084,7 +10803,7 @@
         <a:srgbClr val="FFC000"/>
       </a:accent4>
       <a:accent5>
-        <a:srgbClr val="4472C4"/>
+        <a:srgbClr val="5B9BD5"/>
       </a:accent5>
       <a:accent6>
         <a:srgbClr val="70AD47"/>
@@ -9096,14 +10815,14 @@
         <a:srgbClr val="954F72"/>
       </a:folHlink>
     </a:clrScheme>
-    <a:fontScheme name="Office">
+    <a:fontScheme name="Office Theme">
       <a:majorFont>
         <a:latin typeface="Calibri Light" panose="020F0302020204030204"/>
         <a:ea typeface=""/>
         <a:cs typeface=""/>
-        <a:font script="Jpan" typeface="ＭＳ Ｐゴシック"/>
+        <a:font script="Jpan" typeface="游ゴシック Light"/>
         <a:font script="Hang" typeface="맑은 고딕"/>
-        <a:font script="Hans" typeface="宋体"/>
+        <a:font script="Hans" typeface="等线 Light"/>
         <a:font script="Hant" typeface="新細明體"/>
         <a:font script="Arab" typeface="Times New Roman"/>
         <a:font script="Hebr" typeface="Times New Roman"/>
@@ -9136,9 +10855,9 @@
         <a:latin typeface="Calibri" panose="020F0502020204030204"/>
         <a:ea typeface=""/>
         <a:cs typeface=""/>
-        <a:font script="Jpan" typeface="ＭＳ Ｐゴシック"/>
+        <a:font script="Jpan" typeface="游ゴシック"/>
         <a:font script="Hang" typeface="맑은 고딕"/>
-        <a:font script="Hans" typeface="宋体"/>
+        <a:font script="Hans" typeface="等线"/>
         <a:font script="Hant" typeface="新細明體"/>
         <a:font script="Arab" typeface="Arial"/>
         <a:font script="Hebr" typeface="Arial"/>
@@ -9168,7 +10887,7 @@
         <a:font script="Geor" typeface="Sylfaen"/>
       </a:minorFont>
     </a:fontScheme>
-    <a:fmtScheme name="Office">
+    <a:fmtScheme name="Office Theme">
       <a:fillStyleLst>
         <a:solidFill>
           <a:schemeClr val="phClr"/>
